--- a/notebooks/Presentacion_SMN_Neuquen_CORREGIDA.pptx
+++ b/notebooks/Presentacion_SMN_Neuquen_CORREGIDA.pptx
@@ -5,21 +5,20 @@
     <p:sldMasterId id="2147483648" r:id="rId1"/>
   </p:sldMasterIdLst>
   <p:sldIdLst>
-    <p:sldId id="256" r:id="rId7"/>
-    <p:sldId id="257" r:id="rId8"/>
-    <p:sldId id="258" r:id="rId9"/>
-    <p:sldId id="259" r:id="rId10"/>
-    <p:sldId id="260" r:id="rId11"/>
-    <p:sldId id="261" r:id="rId12"/>
-    <p:sldId id="262" r:id="rId13"/>
-    <p:sldId id="263" r:id="rId14"/>
-    <p:sldId id="264" r:id="rId15"/>
-    <p:sldId id="265" r:id="rId16"/>
-    <p:sldId id="266" r:id="rId17"/>
-    <p:sldId id="267" r:id="rId18"/>
-    <p:sldId id="268" r:id="rId19"/>
+    <p:sldId id="269" r:id="rId2"/>
+    <p:sldId id="257" r:id="rId3"/>
+    <p:sldId id="258" r:id="rId4"/>
+    <p:sldId id="259" r:id="rId5"/>
+    <p:sldId id="260" r:id="rId6"/>
+    <p:sldId id="261" r:id="rId7"/>
+    <p:sldId id="262" r:id="rId8"/>
+    <p:sldId id="263" r:id="rId9"/>
+    <p:sldId id="264" r:id="rId10"/>
+    <p:sldId id="265" r:id="rId11"/>
+    <p:sldId id="266" r:id="rId12"/>
+    <p:sldId id="267" r:id="rId13"/>
   </p:sldIdLst>
-  <p:sldSz cx="9144000" cy="6858000" type="screen4x3"/>
+  <p:sldSz cx="12192000" cy="6858000"/>
   <p:notesSz cx="6858000" cy="9144000"/>
   <p:defaultTextStyle>
     <a:defPPr>
@@ -116,6 +115,22 @@
       </a:defRPr>
     </a:lvl9pPr>
   </p:defaultTextStyle>
+  <p:extLst>
+    <p:ext uri="{EFAFB233-063F-42B5-8137-9DF3F51BA10A}">
+      <p15:sldGuideLst xmlns:p15="http://schemas.microsoft.com/office/powerpoint/2012/main">
+        <p15:guide id="1" orient="horz" pos="2160" userDrawn="1">
+          <p15:clr>
+            <a:srgbClr val="A4A3A4"/>
+          </p15:clr>
+        </p15:guide>
+        <p15:guide id="2" pos="3840" userDrawn="1">
+          <p15:clr>
+            <a:srgbClr val="A4A3A4"/>
+          </p15:clr>
+        </p15:guide>
+      </p15:sldGuideLst>
+    </p:ext>
+  </p:extLst>
 </p:presentation>
 </file>
 
@@ -148,8 +163,8 @@
         </p:nvSpPr>
         <p:spPr>
           <a:xfrm>
-            <a:off x="685800" y="2130425"/>
-            <a:ext cx="7772400" cy="1470025"/>
+            <a:off x="914400" y="2130426"/>
+            <a:ext cx="10363200" cy="1470025"/>
           </a:xfrm>
         </p:spPr>
         <p:txBody>
@@ -157,10 +172,9 @@
           <a:lstStyle/>
           <a:p>
             <a:r>
-              <a:rPr lang="en-US" smtClean="0"/>
+              <a:rPr lang="en-US"/>
               <a:t>Click to edit Master title style</a:t>
             </a:r>
-            <a:endParaRPr lang="en-US"/>
           </a:p>
         </p:txBody>
       </p:sp>
@@ -176,8 +190,8 @@
         </p:nvSpPr>
         <p:spPr>
           <a:xfrm>
-            <a:off x="1371600" y="3886200"/>
-            <a:ext cx="6400800" cy="1752600"/>
+            <a:off x="1828800" y="3886200"/>
+            <a:ext cx="8534400" cy="1752600"/>
           </a:xfrm>
         </p:spPr>
         <p:txBody>
@@ -276,10 +290,9 @@
           </a:lstStyle>
           <a:p>
             <a:r>
-              <a:rPr lang="en-US" smtClean="0"/>
+              <a:rPr lang="en-US"/>
               <a:t>Click to edit Master subtitle style</a:t>
             </a:r>
-            <a:endParaRPr lang="en-US"/>
           </a:p>
         </p:txBody>
       </p:sp>
@@ -300,7 +313,7 @@
           <a:p>
             <a:fld id="{5BCAD085-E8A6-8845-BD4E-CB4CCA059FC4}" type="datetimeFigureOut">
               <a:rPr lang="en-US" smtClean="0"/>
-              <a:t>1/27/13</a:t>
+              <a:t>8/17/25</a:t>
             </a:fld>
             <a:endParaRPr lang="en-US"/>
           </a:p>
@@ -342,7 +355,7 @@
           <a:p>
             <a:fld id="{C1FF6DA9-008F-8B48-92A6-B652298478BF}" type="slidenum">
               <a:rPr lang="en-US" smtClean="0"/>
-              <a:t>‹#›</a:t>
+              <a:t>‹Nº›</a:t>
             </a:fld>
             <a:endParaRPr lang="en-US"/>
           </a:p>
@@ -394,10 +407,9 @@
           <a:lstStyle/>
           <a:p>
             <a:r>
-              <a:rPr lang="en-US" smtClean="0"/>
+              <a:rPr lang="en-US"/>
               <a:t>Click to edit Master title style</a:t>
             </a:r>
-            <a:endParaRPr lang="en-US"/>
           </a:p>
         </p:txBody>
       </p:sp>
@@ -418,38 +430,37 @@
           <a:p>
             <a:pPr lvl="0"/>
             <a:r>
-              <a:rPr lang="en-US" smtClean="0"/>
+              <a:rPr lang="en-US"/>
               <a:t>Click to edit Master text styles</a:t>
             </a:r>
           </a:p>
           <a:p>
             <a:pPr lvl="1"/>
             <a:r>
-              <a:rPr lang="en-US" smtClean="0"/>
+              <a:rPr lang="en-US"/>
               <a:t>Second level</a:t>
             </a:r>
           </a:p>
           <a:p>
             <a:pPr lvl="2"/>
             <a:r>
-              <a:rPr lang="en-US" smtClean="0"/>
+              <a:rPr lang="en-US"/>
               <a:t>Third level</a:t>
             </a:r>
           </a:p>
           <a:p>
             <a:pPr lvl="3"/>
             <a:r>
-              <a:rPr lang="en-US" smtClean="0"/>
+              <a:rPr lang="en-US"/>
               <a:t>Fourth level</a:t>
             </a:r>
           </a:p>
           <a:p>
             <a:pPr lvl="4"/>
             <a:r>
-              <a:rPr lang="en-US" smtClean="0"/>
+              <a:rPr lang="en-US"/>
               <a:t>Fifth level</a:t>
             </a:r>
-            <a:endParaRPr lang="en-US"/>
           </a:p>
         </p:txBody>
       </p:sp>
@@ -470,7 +481,7 @@
           <a:p>
             <a:fld id="{5BCAD085-E8A6-8845-BD4E-CB4CCA059FC4}" type="datetimeFigureOut">
               <a:rPr lang="en-US" smtClean="0"/>
-              <a:t>1/27/13</a:t>
+              <a:t>8/17/25</a:t>
             </a:fld>
             <a:endParaRPr lang="en-US"/>
           </a:p>
@@ -512,7 +523,7 @@
           <a:p>
             <a:fld id="{C1FF6DA9-008F-8B48-92A6-B652298478BF}" type="slidenum">
               <a:rPr lang="en-US" smtClean="0"/>
-              <a:t>‹#›</a:t>
+              <a:t>‹Nº›</a:t>
             </a:fld>
             <a:endParaRPr lang="en-US"/>
           </a:p>
@@ -560,8 +571,8 @@
         </p:nvSpPr>
         <p:spPr>
           <a:xfrm>
-            <a:off x="6629400" y="274638"/>
-            <a:ext cx="2057400" cy="5851525"/>
+            <a:off x="8839200" y="274639"/>
+            <a:ext cx="2743200" cy="5851525"/>
           </a:xfrm>
         </p:spPr>
         <p:txBody>
@@ -569,10 +580,9 @@
           <a:lstStyle/>
           <a:p>
             <a:r>
-              <a:rPr lang="en-US" smtClean="0"/>
+              <a:rPr lang="en-US"/>
               <a:t>Click to edit Master title style</a:t>
             </a:r>
-            <a:endParaRPr lang="en-US"/>
           </a:p>
         </p:txBody>
       </p:sp>
@@ -588,8 +598,8 @@
         </p:nvSpPr>
         <p:spPr>
           <a:xfrm>
-            <a:off x="457200" y="274638"/>
-            <a:ext cx="6019800" cy="5851525"/>
+            <a:off x="609600" y="274639"/>
+            <a:ext cx="8026400" cy="5851525"/>
           </a:xfrm>
         </p:spPr>
         <p:txBody>
@@ -598,38 +608,37 @@
           <a:p>
             <a:pPr lvl="0"/>
             <a:r>
-              <a:rPr lang="en-US" smtClean="0"/>
+              <a:rPr lang="en-US"/>
               <a:t>Click to edit Master text styles</a:t>
             </a:r>
           </a:p>
           <a:p>
             <a:pPr lvl="1"/>
             <a:r>
-              <a:rPr lang="en-US" smtClean="0"/>
+              <a:rPr lang="en-US"/>
               <a:t>Second level</a:t>
             </a:r>
           </a:p>
           <a:p>
             <a:pPr lvl="2"/>
             <a:r>
-              <a:rPr lang="en-US" smtClean="0"/>
+              <a:rPr lang="en-US"/>
               <a:t>Third level</a:t>
             </a:r>
           </a:p>
           <a:p>
             <a:pPr lvl="3"/>
             <a:r>
-              <a:rPr lang="en-US" smtClean="0"/>
+              <a:rPr lang="en-US"/>
               <a:t>Fourth level</a:t>
             </a:r>
           </a:p>
           <a:p>
             <a:pPr lvl="4"/>
             <a:r>
-              <a:rPr lang="en-US" smtClean="0"/>
+              <a:rPr lang="en-US"/>
               <a:t>Fifth level</a:t>
             </a:r>
-            <a:endParaRPr lang="en-US"/>
           </a:p>
         </p:txBody>
       </p:sp>
@@ -650,7 +659,7 @@
           <a:p>
             <a:fld id="{5BCAD085-E8A6-8845-BD4E-CB4CCA059FC4}" type="datetimeFigureOut">
               <a:rPr lang="en-US" smtClean="0"/>
-              <a:t>1/27/13</a:t>
+              <a:t>8/17/25</a:t>
             </a:fld>
             <a:endParaRPr lang="en-US"/>
           </a:p>
@@ -692,7 +701,7 @@
           <a:p>
             <a:fld id="{C1FF6DA9-008F-8B48-92A6-B652298478BF}" type="slidenum">
               <a:rPr lang="en-US" smtClean="0"/>
-              <a:t>‹#›</a:t>
+              <a:t>‹Nº›</a:t>
             </a:fld>
             <a:endParaRPr lang="en-US"/>
           </a:p>
@@ -744,10 +753,9 @@
           <a:lstStyle/>
           <a:p>
             <a:r>
-              <a:rPr lang="en-US" smtClean="0"/>
+              <a:rPr lang="en-US"/>
               <a:t>Click to edit Master title style</a:t>
             </a:r>
-            <a:endParaRPr lang="en-US"/>
           </a:p>
         </p:txBody>
       </p:sp>
@@ -768,38 +776,37 @@
           <a:p>
             <a:pPr lvl="0"/>
             <a:r>
-              <a:rPr lang="en-US" smtClean="0"/>
+              <a:rPr lang="en-US"/>
               <a:t>Click to edit Master text styles</a:t>
             </a:r>
           </a:p>
           <a:p>
             <a:pPr lvl="1"/>
             <a:r>
-              <a:rPr lang="en-US" smtClean="0"/>
+              <a:rPr lang="en-US"/>
               <a:t>Second level</a:t>
             </a:r>
           </a:p>
           <a:p>
             <a:pPr lvl="2"/>
             <a:r>
-              <a:rPr lang="en-US" smtClean="0"/>
+              <a:rPr lang="en-US"/>
               <a:t>Third level</a:t>
             </a:r>
           </a:p>
           <a:p>
             <a:pPr lvl="3"/>
             <a:r>
-              <a:rPr lang="en-US" smtClean="0"/>
+              <a:rPr lang="en-US"/>
               <a:t>Fourth level</a:t>
             </a:r>
           </a:p>
           <a:p>
             <a:pPr lvl="4"/>
             <a:r>
-              <a:rPr lang="en-US" smtClean="0"/>
+              <a:rPr lang="en-US"/>
               <a:t>Fifth level</a:t>
             </a:r>
-            <a:endParaRPr lang="en-US"/>
           </a:p>
         </p:txBody>
       </p:sp>
@@ -820,7 +827,7 @@
           <a:p>
             <a:fld id="{5BCAD085-E8A6-8845-BD4E-CB4CCA059FC4}" type="datetimeFigureOut">
               <a:rPr lang="en-US" smtClean="0"/>
-              <a:t>1/27/13</a:t>
+              <a:t>8/17/25</a:t>
             </a:fld>
             <a:endParaRPr lang="en-US"/>
           </a:p>
@@ -862,7 +869,7 @@
           <a:p>
             <a:fld id="{C1FF6DA9-008F-8B48-92A6-B652298478BF}" type="slidenum">
               <a:rPr lang="en-US" smtClean="0"/>
-              <a:t>‹#›</a:t>
+              <a:t>‹Nº›</a:t>
             </a:fld>
             <a:endParaRPr lang="en-US"/>
           </a:p>
@@ -910,8 +917,8 @@
         </p:nvSpPr>
         <p:spPr>
           <a:xfrm>
-            <a:off x="722313" y="4406900"/>
-            <a:ext cx="7772400" cy="1362075"/>
+            <a:off x="963084" y="4406901"/>
+            <a:ext cx="10363200" cy="1362075"/>
           </a:xfrm>
         </p:spPr>
         <p:txBody>
@@ -923,10 +930,9 @@
           </a:lstStyle>
           <a:p>
             <a:r>
-              <a:rPr lang="en-US" smtClean="0"/>
+              <a:rPr lang="en-US"/>
               <a:t>Click to edit Master title style</a:t>
             </a:r>
-            <a:endParaRPr lang="en-US"/>
           </a:p>
         </p:txBody>
       </p:sp>
@@ -942,8 +948,8 @@
         </p:nvSpPr>
         <p:spPr>
           <a:xfrm>
-            <a:off x="722313" y="2906713"/>
-            <a:ext cx="7772400" cy="1500187"/>
+            <a:off x="963084" y="2906713"/>
+            <a:ext cx="10363200" cy="1500187"/>
           </a:xfrm>
         </p:spPr>
         <p:txBody>
@@ -1043,7 +1049,7 @@
           <a:p>
             <a:pPr lvl="0"/>
             <a:r>
-              <a:rPr lang="en-US" smtClean="0"/>
+              <a:rPr lang="en-US"/>
               <a:t>Click to edit Master text styles</a:t>
             </a:r>
           </a:p>
@@ -1066,7 +1072,7 @@
           <a:p>
             <a:fld id="{5BCAD085-E8A6-8845-BD4E-CB4CCA059FC4}" type="datetimeFigureOut">
               <a:rPr lang="en-US" smtClean="0"/>
-              <a:t>1/27/13</a:t>
+              <a:t>8/17/25</a:t>
             </a:fld>
             <a:endParaRPr lang="en-US"/>
           </a:p>
@@ -1108,7 +1114,7 @@
           <a:p>
             <a:fld id="{C1FF6DA9-008F-8B48-92A6-B652298478BF}" type="slidenum">
               <a:rPr lang="en-US" smtClean="0"/>
-              <a:t>‹#›</a:t>
+              <a:t>‹Nº›</a:t>
             </a:fld>
             <a:endParaRPr lang="en-US"/>
           </a:p>
@@ -1160,10 +1166,9 @@
           <a:lstStyle/>
           <a:p>
             <a:r>
-              <a:rPr lang="en-US" smtClean="0"/>
+              <a:rPr lang="en-US"/>
               <a:t>Click to edit Master title style</a:t>
             </a:r>
-            <a:endParaRPr lang="en-US"/>
           </a:p>
         </p:txBody>
       </p:sp>
@@ -1179,8 +1184,8 @@
         </p:nvSpPr>
         <p:spPr>
           <a:xfrm>
-            <a:off x="457200" y="1600200"/>
-            <a:ext cx="4038600" cy="4525963"/>
+            <a:off x="609600" y="1600201"/>
+            <a:ext cx="5384800" cy="4525963"/>
           </a:xfrm>
         </p:spPr>
         <p:txBody>
@@ -1217,38 +1222,37 @@
           <a:p>
             <a:pPr lvl="0"/>
             <a:r>
-              <a:rPr lang="en-US" smtClean="0"/>
+              <a:rPr lang="en-US"/>
               <a:t>Click to edit Master text styles</a:t>
             </a:r>
           </a:p>
           <a:p>
             <a:pPr lvl="1"/>
             <a:r>
-              <a:rPr lang="en-US" smtClean="0"/>
+              <a:rPr lang="en-US"/>
               <a:t>Second level</a:t>
             </a:r>
           </a:p>
           <a:p>
             <a:pPr lvl="2"/>
             <a:r>
-              <a:rPr lang="en-US" smtClean="0"/>
+              <a:rPr lang="en-US"/>
               <a:t>Third level</a:t>
             </a:r>
           </a:p>
           <a:p>
             <a:pPr lvl="3"/>
             <a:r>
-              <a:rPr lang="en-US" smtClean="0"/>
+              <a:rPr lang="en-US"/>
               <a:t>Fourth level</a:t>
             </a:r>
           </a:p>
           <a:p>
             <a:pPr lvl="4"/>
             <a:r>
-              <a:rPr lang="en-US" smtClean="0"/>
+              <a:rPr lang="en-US"/>
               <a:t>Fifth level</a:t>
             </a:r>
-            <a:endParaRPr lang="en-US"/>
           </a:p>
         </p:txBody>
       </p:sp>
@@ -1264,8 +1268,8 @@
         </p:nvSpPr>
         <p:spPr>
           <a:xfrm>
-            <a:off x="4648200" y="1600200"/>
-            <a:ext cx="4038600" cy="4525963"/>
+            <a:off x="6197600" y="1600201"/>
+            <a:ext cx="5384800" cy="4525963"/>
           </a:xfrm>
         </p:spPr>
         <p:txBody>
@@ -1302,38 +1306,37 @@
           <a:p>
             <a:pPr lvl="0"/>
             <a:r>
-              <a:rPr lang="en-US" smtClean="0"/>
+              <a:rPr lang="en-US"/>
               <a:t>Click to edit Master text styles</a:t>
             </a:r>
           </a:p>
           <a:p>
             <a:pPr lvl="1"/>
             <a:r>
-              <a:rPr lang="en-US" smtClean="0"/>
+              <a:rPr lang="en-US"/>
               <a:t>Second level</a:t>
             </a:r>
           </a:p>
           <a:p>
             <a:pPr lvl="2"/>
             <a:r>
-              <a:rPr lang="en-US" smtClean="0"/>
+              <a:rPr lang="en-US"/>
               <a:t>Third level</a:t>
             </a:r>
           </a:p>
           <a:p>
             <a:pPr lvl="3"/>
             <a:r>
-              <a:rPr lang="en-US" smtClean="0"/>
+              <a:rPr lang="en-US"/>
               <a:t>Fourth level</a:t>
             </a:r>
           </a:p>
           <a:p>
             <a:pPr lvl="4"/>
             <a:r>
-              <a:rPr lang="en-US" smtClean="0"/>
+              <a:rPr lang="en-US"/>
               <a:t>Fifth level</a:t>
             </a:r>
-            <a:endParaRPr lang="en-US"/>
           </a:p>
         </p:txBody>
       </p:sp>
@@ -1354,7 +1357,7 @@
           <a:p>
             <a:fld id="{5BCAD085-E8A6-8845-BD4E-CB4CCA059FC4}" type="datetimeFigureOut">
               <a:rPr lang="en-US" smtClean="0"/>
-              <a:t>1/27/13</a:t>
+              <a:t>8/17/25</a:t>
             </a:fld>
             <a:endParaRPr lang="en-US"/>
           </a:p>
@@ -1396,7 +1399,7 @@
           <a:p>
             <a:fld id="{C1FF6DA9-008F-8B48-92A6-B652298478BF}" type="slidenum">
               <a:rPr lang="en-US" smtClean="0"/>
-              <a:t>‹#›</a:t>
+              <a:t>‹Nº›</a:t>
             </a:fld>
             <a:endParaRPr lang="en-US"/>
           </a:p>
@@ -1452,10 +1455,9 @@
           </a:lstStyle>
           <a:p>
             <a:r>
-              <a:rPr lang="en-US" smtClean="0"/>
+              <a:rPr lang="en-US"/>
               <a:t>Click to edit Master title style</a:t>
             </a:r>
-            <a:endParaRPr lang="en-US"/>
           </a:p>
         </p:txBody>
       </p:sp>
@@ -1471,8 +1473,8 @@
         </p:nvSpPr>
         <p:spPr>
           <a:xfrm>
-            <a:off x="457200" y="1535113"/>
-            <a:ext cx="4040188" cy="639762"/>
+            <a:off x="609600" y="1535113"/>
+            <a:ext cx="5386917" cy="639762"/>
           </a:xfrm>
         </p:spPr>
         <p:txBody>
@@ -1518,7 +1520,7 @@
           <a:p>
             <a:pPr lvl="0"/>
             <a:r>
-              <a:rPr lang="en-US" smtClean="0"/>
+              <a:rPr lang="en-US"/>
               <a:t>Click to edit Master text styles</a:t>
             </a:r>
           </a:p>
@@ -1536,8 +1538,8 @@
         </p:nvSpPr>
         <p:spPr>
           <a:xfrm>
-            <a:off x="457200" y="2174875"/>
-            <a:ext cx="4040188" cy="3951288"/>
+            <a:off x="609600" y="2174875"/>
+            <a:ext cx="5386917" cy="3951288"/>
           </a:xfrm>
         </p:spPr>
         <p:txBody>
@@ -1574,38 +1576,37 @@
           <a:p>
             <a:pPr lvl="0"/>
             <a:r>
-              <a:rPr lang="en-US" smtClean="0"/>
+              <a:rPr lang="en-US"/>
               <a:t>Click to edit Master text styles</a:t>
             </a:r>
           </a:p>
           <a:p>
             <a:pPr lvl="1"/>
             <a:r>
-              <a:rPr lang="en-US" smtClean="0"/>
+              <a:rPr lang="en-US"/>
               <a:t>Second level</a:t>
             </a:r>
           </a:p>
           <a:p>
             <a:pPr lvl="2"/>
             <a:r>
-              <a:rPr lang="en-US" smtClean="0"/>
+              <a:rPr lang="en-US"/>
               <a:t>Third level</a:t>
             </a:r>
           </a:p>
           <a:p>
             <a:pPr lvl="3"/>
             <a:r>
-              <a:rPr lang="en-US" smtClean="0"/>
+              <a:rPr lang="en-US"/>
               <a:t>Fourth level</a:t>
             </a:r>
           </a:p>
           <a:p>
             <a:pPr lvl="4"/>
             <a:r>
-              <a:rPr lang="en-US" smtClean="0"/>
+              <a:rPr lang="en-US"/>
               <a:t>Fifth level</a:t>
             </a:r>
-            <a:endParaRPr lang="en-US"/>
           </a:p>
         </p:txBody>
       </p:sp>
@@ -1621,8 +1622,8 @@
         </p:nvSpPr>
         <p:spPr>
           <a:xfrm>
-            <a:off x="4645025" y="1535113"/>
-            <a:ext cx="4041775" cy="639762"/>
+            <a:off x="6193368" y="1535113"/>
+            <a:ext cx="5389033" cy="639762"/>
           </a:xfrm>
         </p:spPr>
         <p:txBody>
@@ -1668,7 +1669,7 @@
           <a:p>
             <a:pPr lvl="0"/>
             <a:r>
-              <a:rPr lang="en-US" smtClean="0"/>
+              <a:rPr lang="en-US"/>
               <a:t>Click to edit Master text styles</a:t>
             </a:r>
           </a:p>
@@ -1686,8 +1687,8 @@
         </p:nvSpPr>
         <p:spPr>
           <a:xfrm>
-            <a:off x="4645025" y="2174875"/>
-            <a:ext cx="4041775" cy="3951288"/>
+            <a:off x="6193368" y="2174875"/>
+            <a:ext cx="5389033" cy="3951288"/>
           </a:xfrm>
         </p:spPr>
         <p:txBody>
@@ -1724,38 +1725,37 @@
           <a:p>
             <a:pPr lvl="0"/>
             <a:r>
-              <a:rPr lang="en-US" smtClean="0"/>
+              <a:rPr lang="en-US"/>
               <a:t>Click to edit Master text styles</a:t>
             </a:r>
           </a:p>
           <a:p>
             <a:pPr lvl="1"/>
             <a:r>
-              <a:rPr lang="en-US" smtClean="0"/>
+              <a:rPr lang="en-US"/>
               <a:t>Second level</a:t>
             </a:r>
           </a:p>
           <a:p>
             <a:pPr lvl="2"/>
             <a:r>
-              <a:rPr lang="en-US" smtClean="0"/>
+              <a:rPr lang="en-US"/>
               <a:t>Third level</a:t>
             </a:r>
           </a:p>
           <a:p>
             <a:pPr lvl="3"/>
             <a:r>
-              <a:rPr lang="en-US" smtClean="0"/>
+              <a:rPr lang="en-US"/>
               <a:t>Fourth level</a:t>
             </a:r>
           </a:p>
           <a:p>
             <a:pPr lvl="4"/>
             <a:r>
-              <a:rPr lang="en-US" smtClean="0"/>
+              <a:rPr lang="en-US"/>
               <a:t>Fifth level</a:t>
             </a:r>
-            <a:endParaRPr lang="en-US"/>
           </a:p>
         </p:txBody>
       </p:sp>
@@ -1776,7 +1776,7 @@
           <a:p>
             <a:fld id="{5BCAD085-E8A6-8845-BD4E-CB4CCA059FC4}" type="datetimeFigureOut">
               <a:rPr lang="en-US" smtClean="0"/>
-              <a:t>1/27/13</a:t>
+              <a:t>8/17/25</a:t>
             </a:fld>
             <a:endParaRPr lang="en-US"/>
           </a:p>
@@ -1818,7 +1818,7 @@
           <a:p>
             <a:fld id="{C1FF6DA9-008F-8B48-92A6-B652298478BF}" type="slidenum">
               <a:rPr lang="en-US" smtClean="0"/>
-              <a:t>‹#›</a:t>
+              <a:t>‹Nº›</a:t>
             </a:fld>
             <a:endParaRPr lang="en-US"/>
           </a:p>
@@ -1870,10 +1870,9 @@
           <a:lstStyle/>
           <a:p>
             <a:r>
-              <a:rPr lang="en-US" smtClean="0"/>
+              <a:rPr lang="en-US"/>
               <a:t>Click to edit Master title style</a:t>
             </a:r>
-            <a:endParaRPr lang="en-US"/>
           </a:p>
         </p:txBody>
       </p:sp>
@@ -1894,7 +1893,7 @@
           <a:p>
             <a:fld id="{5BCAD085-E8A6-8845-BD4E-CB4CCA059FC4}" type="datetimeFigureOut">
               <a:rPr lang="en-US" smtClean="0"/>
-              <a:t>1/27/13</a:t>
+              <a:t>8/17/25</a:t>
             </a:fld>
             <a:endParaRPr lang="en-US"/>
           </a:p>
@@ -1936,7 +1935,7 @@
           <a:p>
             <a:fld id="{C1FF6DA9-008F-8B48-92A6-B652298478BF}" type="slidenum">
               <a:rPr lang="en-US" smtClean="0"/>
-              <a:t>‹#›</a:t>
+              <a:t>‹Nº›</a:t>
             </a:fld>
             <a:endParaRPr lang="en-US"/>
           </a:p>
@@ -1989,7 +1988,7 @@
           <a:p>
             <a:fld id="{5BCAD085-E8A6-8845-BD4E-CB4CCA059FC4}" type="datetimeFigureOut">
               <a:rPr lang="en-US" smtClean="0"/>
-              <a:t>1/27/13</a:t>
+              <a:t>8/17/25</a:t>
             </a:fld>
             <a:endParaRPr lang="en-US"/>
           </a:p>
@@ -2031,7 +2030,7 @@
           <a:p>
             <a:fld id="{C1FF6DA9-008F-8B48-92A6-B652298478BF}" type="slidenum">
               <a:rPr lang="en-US" smtClean="0"/>
-              <a:t>‹#›</a:t>
+              <a:t>‹Nº›</a:t>
             </a:fld>
             <a:endParaRPr lang="en-US"/>
           </a:p>
@@ -2079,8 +2078,8 @@
         </p:nvSpPr>
         <p:spPr>
           <a:xfrm>
-            <a:off x="457200" y="273050"/>
-            <a:ext cx="3008313" cy="1162050"/>
+            <a:off x="609601" y="273050"/>
+            <a:ext cx="4011084" cy="1162050"/>
           </a:xfrm>
         </p:spPr>
         <p:txBody>
@@ -2092,10 +2091,9 @@
           </a:lstStyle>
           <a:p>
             <a:r>
-              <a:rPr lang="en-US" smtClean="0"/>
+              <a:rPr lang="en-US"/>
               <a:t>Click to edit Master title style</a:t>
             </a:r>
-            <a:endParaRPr lang="en-US"/>
           </a:p>
         </p:txBody>
       </p:sp>
@@ -2111,8 +2109,8 @@
         </p:nvSpPr>
         <p:spPr>
           <a:xfrm>
-            <a:off x="3575050" y="273050"/>
-            <a:ext cx="5111750" cy="5853113"/>
+            <a:off x="4766733" y="273051"/>
+            <a:ext cx="6815667" cy="5853113"/>
           </a:xfrm>
         </p:spPr>
         <p:txBody>
@@ -2149,38 +2147,37 @@
           <a:p>
             <a:pPr lvl="0"/>
             <a:r>
-              <a:rPr lang="en-US" smtClean="0"/>
+              <a:rPr lang="en-US"/>
               <a:t>Click to edit Master text styles</a:t>
             </a:r>
           </a:p>
           <a:p>
             <a:pPr lvl="1"/>
             <a:r>
-              <a:rPr lang="en-US" smtClean="0"/>
+              <a:rPr lang="en-US"/>
               <a:t>Second level</a:t>
             </a:r>
           </a:p>
           <a:p>
             <a:pPr lvl="2"/>
             <a:r>
-              <a:rPr lang="en-US" smtClean="0"/>
+              <a:rPr lang="en-US"/>
               <a:t>Third level</a:t>
             </a:r>
           </a:p>
           <a:p>
             <a:pPr lvl="3"/>
             <a:r>
-              <a:rPr lang="en-US" smtClean="0"/>
+              <a:rPr lang="en-US"/>
               <a:t>Fourth level</a:t>
             </a:r>
           </a:p>
           <a:p>
             <a:pPr lvl="4"/>
             <a:r>
-              <a:rPr lang="en-US" smtClean="0"/>
+              <a:rPr lang="en-US"/>
               <a:t>Fifth level</a:t>
             </a:r>
-            <a:endParaRPr lang="en-US"/>
           </a:p>
         </p:txBody>
       </p:sp>
@@ -2196,8 +2193,8 @@
         </p:nvSpPr>
         <p:spPr>
           <a:xfrm>
-            <a:off x="457200" y="1435100"/>
-            <a:ext cx="3008313" cy="4691063"/>
+            <a:off x="609601" y="1435101"/>
+            <a:ext cx="4011084" cy="4691063"/>
           </a:xfrm>
         </p:spPr>
         <p:txBody>
@@ -2243,7 +2240,7 @@
           <a:p>
             <a:pPr lvl="0"/>
             <a:r>
-              <a:rPr lang="en-US" smtClean="0"/>
+              <a:rPr lang="en-US"/>
               <a:t>Click to edit Master text styles</a:t>
             </a:r>
           </a:p>
@@ -2266,7 +2263,7 @@
           <a:p>
             <a:fld id="{5BCAD085-E8A6-8845-BD4E-CB4CCA059FC4}" type="datetimeFigureOut">
               <a:rPr lang="en-US" smtClean="0"/>
-              <a:t>1/27/13</a:t>
+              <a:t>8/17/25</a:t>
             </a:fld>
             <a:endParaRPr lang="en-US"/>
           </a:p>
@@ -2308,7 +2305,7 @@
           <a:p>
             <a:fld id="{C1FF6DA9-008F-8B48-92A6-B652298478BF}" type="slidenum">
               <a:rPr lang="en-US" smtClean="0"/>
-              <a:t>‹#›</a:t>
+              <a:t>‹Nº›</a:t>
             </a:fld>
             <a:endParaRPr lang="en-US"/>
           </a:p>
@@ -2356,8 +2353,8 @@
         </p:nvSpPr>
         <p:spPr>
           <a:xfrm>
-            <a:off x="1792288" y="4800600"/>
-            <a:ext cx="5486400" cy="566738"/>
+            <a:off x="2389717" y="4800600"/>
+            <a:ext cx="7315200" cy="566738"/>
           </a:xfrm>
         </p:spPr>
         <p:txBody>
@@ -2369,10 +2366,9 @@
           </a:lstStyle>
           <a:p>
             <a:r>
-              <a:rPr lang="en-US" smtClean="0"/>
+              <a:rPr lang="en-US"/>
               <a:t>Click to edit Master title style</a:t>
             </a:r>
-            <a:endParaRPr lang="en-US"/>
           </a:p>
         </p:txBody>
       </p:sp>
@@ -2388,8 +2384,8 @@
         </p:nvSpPr>
         <p:spPr>
           <a:xfrm>
-            <a:off x="1792288" y="612775"/>
-            <a:ext cx="5486400" cy="4114800"/>
+            <a:off x="2389717" y="612775"/>
+            <a:ext cx="7315200" cy="4114800"/>
           </a:xfrm>
         </p:spPr>
         <p:txBody>
@@ -2449,8 +2445,8 @@
         </p:nvSpPr>
         <p:spPr>
           <a:xfrm>
-            <a:off x="1792288" y="5367338"/>
-            <a:ext cx="5486400" cy="804862"/>
+            <a:off x="2389717" y="5367338"/>
+            <a:ext cx="7315200" cy="804862"/>
           </a:xfrm>
         </p:spPr>
         <p:txBody>
@@ -2496,7 +2492,7 @@
           <a:p>
             <a:pPr lvl="0"/>
             <a:r>
-              <a:rPr lang="en-US" smtClean="0"/>
+              <a:rPr lang="en-US"/>
               <a:t>Click to edit Master text styles</a:t>
             </a:r>
           </a:p>
@@ -2519,7 +2515,7 @@
           <a:p>
             <a:fld id="{5BCAD085-E8A6-8845-BD4E-CB4CCA059FC4}" type="datetimeFigureOut">
               <a:rPr lang="en-US" smtClean="0"/>
-              <a:t>1/27/13</a:t>
+              <a:t>8/17/25</a:t>
             </a:fld>
             <a:endParaRPr lang="en-US"/>
           </a:p>
@@ -2561,7 +2557,7 @@
           <a:p>
             <a:fld id="{C1FF6DA9-008F-8B48-92A6-B652298478BF}" type="slidenum">
               <a:rPr lang="en-US" smtClean="0"/>
-              <a:t>‹#›</a:t>
+              <a:t>‹Nº›</a:t>
             </a:fld>
             <a:endParaRPr lang="en-US"/>
           </a:p>
@@ -2614,8 +2610,8 @@
         </p:nvSpPr>
         <p:spPr>
           <a:xfrm>
-            <a:off x="457200" y="274638"/>
-            <a:ext cx="8229600" cy="1143000"/>
+            <a:off x="609600" y="274638"/>
+            <a:ext cx="10972800" cy="1143000"/>
           </a:xfrm>
           <a:prstGeom prst="rect">
             <a:avLst/>
@@ -2628,10 +2624,9 @@
           <a:lstStyle/>
           <a:p>
             <a:r>
-              <a:rPr lang="en-US" smtClean="0"/>
+              <a:rPr lang="en-US"/>
               <a:t>Click to edit Master title style</a:t>
             </a:r>
-            <a:endParaRPr lang="en-US"/>
           </a:p>
         </p:txBody>
       </p:sp>
@@ -2647,8 +2642,8 @@
         </p:nvSpPr>
         <p:spPr>
           <a:xfrm>
-            <a:off x="457200" y="1600200"/>
-            <a:ext cx="8229600" cy="4525963"/>
+            <a:off x="609600" y="1600201"/>
+            <a:ext cx="10972800" cy="4525963"/>
           </a:xfrm>
           <a:prstGeom prst="rect">
             <a:avLst/>
@@ -2662,38 +2657,37 @@
           <a:p>
             <a:pPr lvl="0"/>
             <a:r>
-              <a:rPr lang="en-US" smtClean="0"/>
+              <a:rPr lang="en-US"/>
               <a:t>Click to edit Master text styles</a:t>
             </a:r>
           </a:p>
           <a:p>
             <a:pPr lvl="1"/>
             <a:r>
-              <a:rPr lang="en-US" smtClean="0"/>
+              <a:rPr lang="en-US"/>
               <a:t>Second level</a:t>
             </a:r>
           </a:p>
           <a:p>
             <a:pPr lvl="2"/>
             <a:r>
-              <a:rPr lang="en-US" smtClean="0"/>
+              <a:rPr lang="en-US"/>
               <a:t>Third level</a:t>
             </a:r>
           </a:p>
           <a:p>
             <a:pPr lvl="3"/>
             <a:r>
-              <a:rPr lang="en-US" smtClean="0"/>
+              <a:rPr lang="en-US"/>
               <a:t>Fourth level</a:t>
             </a:r>
           </a:p>
           <a:p>
             <a:pPr lvl="4"/>
             <a:r>
-              <a:rPr lang="en-US" smtClean="0"/>
+              <a:rPr lang="en-US"/>
               <a:t>Fifth level</a:t>
             </a:r>
-            <a:endParaRPr lang="en-US"/>
           </a:p>
         </p:txBody>
       </p:sp>
@@ -2709,8 +2703,8 @@
         </p:nvSpPr>
         <p:spPr>
           <a:xfrm>
-            <a:off x="457200" y="6356350"/>
-            <a:ext cx="2133600" cy="365125"/>
+            <a:off x="609600" y="6356351"/>
+            <a:ext cx="2844800" cy="365125"/>
           </a:xfrm>
           <a:prstGeom prst="rect">
             <a:avLst/>
@@ -2732,7 +2726,7 @@
           <a:p>
             <a:fld id="{5BCAD085-E8A6-8845-BD4E-CB4CCA059FC4}" type="datetimeFigureOut">
               <a:rPr lang="en-US" smtClean="0"/>
-              <a:t>1/27/13</a:t>
+              <a:t>8/17/25</a:t>
             </a:fld>
             <a:endParaRPr lang="en-US"/>
           </a:p>
@@ -2750,8 +2744,8 @@
         </p:nvSpPr>
         <p:spPr>
           <a:xfrm>
-            <a:off x="3124200" y="6356350"/>
-            <a:ext cx="2895600" cy="365125"/>
+            <a:off x="4165600" y="6356351"/>
+            <a:ext cx="3860800" cy="365125"/>
           </a:xfrm>
           <a:prstGeom prst="rect">
             <a:avLst/>
@@ -2787,8 +2781,8 @@
         </p:nvSpPr>
         <p:spPr>
           <a:xfrm>
-            <a:off x="6553200" y="6356350"/>
-            <a:ext cx="2133600" cy="365125"/>
+            <a:off x="8737600" y="6356351"/>
+            <a:ext cx="2844800" cy="365125"/>
           </a:xfrm>
           <a:prstGeom prst="rect">
             <a:avLst/>
@@ -2810,7 +2804,7 @@
           <a:p>
             <a:fld id="{C1FF6DA9-008F-8B48-92A6-B652298478BF}" type="slidenum">
               <a:rPr lang="en-US" smtClean="0"/>
-              <a:t>‹#›</a:t>
+              <a:t>‹Nº›</a:t>
             </a:fld>
             <a:endParaRPr lang="en-US"/>
           </a:p>
@@ -3091,7 +3085,7 @@
 </file>
 
 <file path=ppt/slides/slide1.xml><?xml version="1.0" encoding="utf-8"?>
-<p:sld xmlns:a="http://schemas.openxmlformats.org/drawingml/2006/main" xmlns:p="http://schemas.openxmlformats.org/presentationml/2006/main" xmlns:r="http://schemas.openxmlformats.org/officeDocument/2006/relationships">
+<p:sld xmlns:a="http://schemas.openxmlformats.org/drawingml/2006/main" xmlns:r="http://schemas.openxmlformats.org/officeDocument/2006/relationships" xmlns:p="http://schemas.openxmlformats.org/presentationml/2006/main">
   <p:cSld>
     <p:spTree>
       <p:nvGrpSpPr>
@@ -3099,10 +3093,429 @@
         <p:cNvGrpSpPr/>
         <p:nvPr/>
       </p:nvGrpSpPr>
-      <p:grpSpPr/>
-      <p:sp>
-        <p:nvSpPr>
-          <p:cNvPr id="2" name="Title 1"/>
+      <p:grpSpPr>
+        <a:xfrm>
+          <a:off x="0" y="0"/>
+          <a:ext cx="0" cy="0"/>
+          <a:chOff x="0" y="0"/>
+          <a:chExt cx="0" cy="0"/>
+        </a:xfrm>
+      </p:grpSpPr>
+      <p:cxnSp>
+        <p:nvCxnSpPr>
+          <p:cNvPr id="16" name="15 Conector recto"/>
+          <p:cNvCxnSpPr>
+            <a:cxnSpLocks/>
+          </p:cNvCxnSpPr>
+          <p:nvPr/>
+        </p:nvCxnSpPr>
+        <p:spPr>
+          <a:xfrm>
+            <a:off x="522512" y="116632"/>
+            <a:ext cx="11669488" cy="0"/>
+          </a:xfrm>
+          <a:prstGeom prst="line">
+            <a:avLst/>
+          </a:prstGeom>
+          <a:effectLst>
+            <a:outerShdw blurRad="50800" dist="38100" dir="5400000" algn="t" rotWithShape="0">
+              <a:prstClr val="black">
+                <a:alpha val="40000"/>
+              </a:prstClr>
+            </a:outerShdw>
+          </a:effectLst>
+        </p:spPr>
+        <p:style>
+          <a:lnRef idx="1">
+            <a:schemeClr val="accent1"/>
+          </a:lnRef>
+          <a:fillRef idx="0">
+            <a:schemeClr val="accent1"/>
+          </a:fillRef>
+          <a:effectRef idx="0">
+            <a:schemeClr val="accent1"/>
+          </a:effectRef>
+          <a:fontRef idx="minor">
+            <a:schemeClr val="tx1"/>
+          </a:fontRef>
+        </p:style>
+      </p:cxnSp>
+      <p:cxnSp>
+        <p:nvCxnSpPr>
+          <p:cNvPr id="18" name="17 Conector recto"/>
+          <p:cNvCxnSpPr>
+            <a:cxnSpLocks/>
+          </p:cNvCxnSpPr>
+          <p:nvPr/>
+        </p:nvCxnSpPr>
+        <p:spPr>
+          <a:xfrm>
+            <a:off x="522512" y="6741368"/>
+            <a:ext cx="11669488" cy="0"/>
+          </a:xfrm>
+          <a:prstGeom prst="line">
+            <a:avLst/>
+          </a:prstGeom>
+          <a:effectLst>
+            <a:outerShdw blurRad="50800" dist="38100" dir="5400000" algn="t" rotWithShape="0">
+              <a:prstClr val="black">
+                <a:alpha val="40000"/>
+              </a:prstClr>
+            </a:outerShdw>
+          </a:effectLst>
+        </p:spPr>
+        <p:style>
+          <a:lnRef idx="1">
+            <a:schemeClr val="accent1"/>
+          </a:lnRef>
+          <a:fillRef idx="0">
+            <a:schemeClr val="accent1"/>
+          </a:fillRef>
+          <a:effectRef idx="0">
+            <a:schemeClr val="accent1"/>
+          </a:effectRef>
+          <a:fontRef idx="minor">
+            <a:schemeClr val="tx1"/>
+          </a:fontRef>
+        </p:style>
+      </p:cxnSp>
+      <p:cxnSp>
+        <p:nvCxnSpPr>
+          <p:cNvPr id="20" name="19 Conector recto"/>
+          <p:cNvCxnSpPr>
+            <a:cxnSpLocks/>
+          </p:cNvCxnSpPr>
+          <p:nvPr/>
+        </p:nvCxnSpPr>
+        <p:spPr>
+          <a:xfrm>
+            <a:off x="522512" y="116632"/>
+            <a:ext cx="0" cy="6624736"/>
+          </a:xfrm>
+          <a:prstGeom prst="line">
+            <a:avLst/>
+          </a:prstGeom>
+          <a:effectLst>
+            <a:outerShdw blurRad="50800" dist="38100" algn="l" rotWithShape="0">
+              <a:prstClr val="black">
+                <a:alpha val="40000"/>
+              </a:prstClr>
+            </a:outerShdw>
+          </a:effectLst>
+        </p:spPr>
+        <p:style>
+          <a:lnRef idx="1">
+            <a:schemeClr val="accent1"/>
+          </a:lnRef>
+          <a:fillRef idx="0">
+            <a:schemeClr val="accent1"/>
+          </a:fillRef>
+          <a:effectRef idx="0">
+            <a:schemeClr val="accent1"/>
+          </a:effectRef>
+          <a:fontRef idx="minor">
+            <a:schemeClr val="tx1"/>
+          </a:fontRef>
+        </p:style>
+      </p:cxnSp>
+      <p:cxnSp>
+        <p:nvCxnSpPr>
+          <p:cNvPr id="22" name="21 Conector recto"/>
+          <p:cNvCxnSpPr/>
+          <p:nvPr/>
+        </p:nvCxnSpPr>
+        <p:spPr>
+          <a:xfrm>
+            <a:off x="360378" y="0"/>
+            <a:ext cx="0" cy="6858000"/>
+          </a:xfrm>
+          <a:prstGeom prst="line">
+            <a:avLst/>
+          </a:prstGeom>
+          <a:ln/>
+        </p:spPr>
+        <p:style>
+          <a:lnRef idx="2">
+            <a:schemeClr val="accent1"/>
+          </a:lnRef>
+          <a:fillRef idx="0">
+            <a:schemeClr val="accent1"/>
+          </a:fillRef>
+          <a:effectRef idx="1">
+            <a:schemeClr val="accent1"/>
+          </a:effectRef>
+          <a:fontRef idx="minor">
+            <a:schemeClr val="tx1"/>
+          </a:fontRef>
+        </p:style>
+      </p:cxnSp>
+      <p:cxnSp>
+        <p:nvCxnSpPr>
+          <p:cNvPr id="24" name="23 Conector recto"/>
+          <p:cNvCxnSpPr>
+            <a:cxnSpLocks/>
+          </p:cNvCxnSpPr>
+          <p:nvPr/>
+        </p:nvCxnSpPr>
+        <p:spPr>
+          <a:xfrm>
+            <a:off x="161932" y="0"/>
+            <a:ext cx="0" cy="6857999"/>
+          </a:xfrm>
+          <a:prstGeom prst="line">
+            <a:avLst/>
+          </a:prstGeom>
+          <a:ln/>
+        </p:spPr>
+        <p:style>
+          <a:lnRef idx="2">
+            <a:schemeClr val="accent1"/>
+          </a:lnRef>
+          <a:fillRef idx="0">
+            <a:schemeClr val="accent1"/>
+          </a:fillRef>
+          <a:effectRef idx="1">
+            <a:schemeClr val="accent1"/>
+          </a:effectRef>
+          <a:fontRef idx="minor">
+            <a:schemeClr val="tx1"/>
+          </a:fontRef>
+        </p:style>
+      </p:cxnSp>
+      <p:pic>
+        <p:nvPicPr>
+          <p:cNvPr id="23" name="image3.png">
+            <a:extLst>
+              <a:ext uri="{FF2B5EF4-FFF2-40B4-BE49-F238E27FC236}">
+                <a16:creationId xmlns:a16="http://schemas.microsoft.com/office/drawing/2014/main" id="{73447485-6D4B-966E-A01C-93F9B2D7E8C4}"/>
+              </a:ext>
+            </a:extLst>
+          </p:cNvPr>
+          <p:cNvPicPr/>
+          <p:nvPr/>
+        </p:nvPicPr>
+        <p:blipFill>
+          <a:blip r:embed="rId2"/>
+          <a:srcRect/>
+          <a:stretch>
+            <a:fillRect/>
+          </a:stretch>
+        </p:blipFill>
+        <p:spPr>
+          <a:xfrm>
+            <a:off x="5050440" y="1081972"/>
+            <a:ext cx="2624524" cy="690294"/>
+          </a:xfrm>
+          <a:prstGeom prst="rect">
+            <a:avLst/>
+          </a:prstGeom>
+          <a:ln/>
+        </p:spPr>
+      </p:pic>
+      <p:sp>
+        <p:nvSpPr>
+          <p:cNvPr id="25" name="4 Rectángulo">
+            <a:extLst>
+              <a:ext uri="{FF2B5EF4-FFF2-40B4-BE49-F238E27FC236}">
+                <a16:creationId xmlns:a16="http://schemas.microsoft.com/office/drawing/2014/main" id="{0EA540FD-FF81-9D10-D176-7ABBC9D169A8}"/>
+              </a:ext>
+            </a:extLst>
+          </p:cNvPr>
+          <p:cNvSpPr/>
+          <p:nvPr/>
+        </p:nvSpPr>
+        <p:spPr>
+          <a:xfrm>
+            <a:off x="2360238" y="374084"/>
+            <a:ext cx="7994037" cy="707888"/>
+          </a:xfrm>
+          <a:prstGeom prst="rect">
+            <a:avLst/>
+          </a:prstGeom>
+        </p:spPr>
+        <p:txBody>
+          <a:bodyPr vert="horz" lIns="91440" tIns="45720" rIns="91440" bIns="45720" rtlCol="0" anchor="ctr">
+            <a:normAutofit/>
+          </a:bodyPr>
+          <a:lstStyle/>
+          <a:p>
+            <a:pPr algn="ctr">
+              <a:spcBef>
+                <a:spcPct val="0"/>
+              </a:spcBef>
+            </a:pPr>
+            <a:r>
+              <a:rPr lang="es-VE" sz="3200" dirty="0">
+                <a:latin typeface="+mj-lt"/>
+                <a:ea typeface="+mj-ea"/>
+                <a:cs typeface="+mj-cs"/>
+              </a:rPr>
+              <a:t>Especialización en Internet de las Cosas</a:t>
+            </a:r>
+          </a:p>
+        </p:txBody>
+      </p:sp>
+      <p:sp>
+        <p:nvSpPr>
+          <p:cNvPr id="26" name="4 Rectángulo">
+            <a:extLst>
+              <a:ext uri="{FF2B5EF4-FFF2-40B4-BE49-F238E27FC236}">
+                <a16:creationId xmlns:a16="http://schemas.microsoft.com/office/drawing/2014/main" id="{EC34BA76-66E7-96AB-D85D-3750FE86544A}"/>
+              </a:ext>
+            </a:extLst>
+          </p:cNvPr>
+          <p:cNvSpPr/>
+          <p:nvPr/>
+        </p:nvSpPr>
+        <p:spPr>
+          <a:xfrm>
+            <a:off x="2927835" y="6113510"/>
+            <a:ext cx="6336330" cy="369332"/>
+          </a:xfrm>
+          <a:prstGeom prst="rect">
+            <a:avLst/>
+          </a:prstGeom>
+          <a:noFill/>
+        </p:spPr>
+        <p:txBody>
+          <a:bodyPr wrap="square">
+            <a:spAutoFit/>
+          </a:bodyPr>
+          <a:lstStyle/>
+          <a:p>
+            <a:pPr algn="ctr">
+              <a:spcBef>
+                <a:spcPct val="20000"/>
+              </a:spcBef>
+            </a:pPr>
+            <a:r>
+              <a:rPr lang="es-VE" dirty="0">
+                <a:solidFill>
+                  <a:prstClr val="black">
+                    <a:tint val="75000"/>
+                  </a:prstClr>
+                </a:solidFill>
+                <a:latin typeface="Calibri"/>
+              </a:rPr>
+              <a:t>Autor: Ing. Mariángel Díaz Balza</a:t>
+            </a:r>
+          </a:p>
+        </p:txBody>
+      </p:sp>
+      <p:sp>
+        <p:nvSpPr>
+          <p:cNvPr id="4" name="CuadroTexto 3">
+            <a:extLst>
+              <a:ext uri="{FF2B5EF4-FFF2-40B4-BE49-F238E27FC236}">
+                <a16:creationId xmlns:a16="http://schemas.microsoft.com/office/drawing/2014/main" id="{2529405C-CB17-851B-8B13-ED8595F0C058}"/>
+              </a:ext>
+            </a:extLst>
+          </p:cNvPr>
+          <p:cNvSpPr txBox="1"/>
+          <p:nvPr/>
+        </p:nvSpPr>
+        <p:spPr>
+          <a:xfrm>
+            <a:off x="3114707" y="4207630"/>
+            <a:ext cx="6130976" cy="1006429"/>
+          </a:xfrm>
+          <a:prstGeom prst="rect">
+            <a:avLst/>
+          </a:prstGeom>
+          <a:noFill/>
+        </p:spPr>
+        <p:txBody>
+          <a:bodyPr wrap="square">
+            <a:spAutoFit/>
+          </a:bodyPr>
+          <a:lstStyle/>
+          <a:p>
+            <a:pPr marL="0" marR="0" lvl="0" indent="0" algn="ctr" defTabSz="457200" rtl="0" eaLnBrk="1" fontAlgn="auto" latinLnBrk="0" hangingPunct="1">
+              <a:lnSpc>
+                <a:spcPct val="100000"/>
+              </a:lnSpc>
+              <a:spcBef>
+                <a:spcPct val="20000"/>
+              </a:spcBef>
+              <a:spcAft>
+                <a:spcPts val="0"/>
+              </a:spcAft>
+              <a:buClrTx/>
+              <a:buSzTx/>
+              <a:buFont typeface="Arial"/>
+              <a:buNone/>
+              <a:tabLst/>
+              <a:defRPr/>
+            </a:pPr>
+            <a:r>
+              <a:rPr kumimoji="0" lang="es-AR" sz="2700" b="0" i="0" u="none" strike="noStrike" kern="1200" cap="none" spc="0" normalizeH="0" baseline="0" noProof="0" dirty="0">
+                <a:ln>
+                  <a:noFill/>
+                </a:ln>
+                <a:solidFill>
+                  <a:prstClr val="black">
+                    <a:tint val="75000"/>
+                  </a:prstClr>
+                </a:solidFill>
+                <a:effectLst/>
+                <a:uLnTx/>
+                <a:uFillTx/>
+                <a:latin typeface="Calibri"/>
+                <a:ea typeface="+mn-ea"/>
+                <a:cs typeface="+mn-cs"/>
+              </a:rPr>
+              <a:t>Resultados del Análisis Meteorológico</a:t>
+            </a:r>
+          </a:p>
+          <a:p>
+            <a:pPr marL="0" marR="0" lvl="0" indent="0" algn="ctr" defTabSz="457200" rtl="0" eaLnBrk="1" fontAlgn="auto" latinLnBrk="0" hangingPunct="1">
+              <a:lnSpc>
+                <a:spcPct val="100000"/>
+              </a:lnSpc>
+              <a:spcBef>
+                <a:spcPct val="20000"/>
+              </a:spcBef>
+              <a:spcAft>
+                <a:spcPts val="0"/>
+              </a:spcAft>
+              <a:buClrTx/>
+              <a:buSzTx/>
+              <a:buFont typeface="Arial"/>
+              <a:buNone/>
+              <a:tabLst/>
+              <a:defRPr/>
+            </a:pPr>
+            <a:r>
+              <a:rPr kumimoji="0" lang="es-AR" sz="2700" b="0" i="0" u="none" strike="noStrike" kern="1200" cap="none" spc="0" normalizeH="0" baseline="0" noProof="0" dirty="0">
+                <a:ln>
+                  <a:noFill/>
+                </a:ln>
+                <a:solidFill>
+                  <a:prstClr val="black">
+                    <a:tint val="75000"/>
+                  </a:prstClr>
+                </a:solidFill>
+                <a:effectLst/>
+                <a:uLnTx/>
+                <a:uFillTx/>
+                <a:latin typeface="Calibri"/>
+                <a:ea typeface="+mn-ea"/>
+                <a:cs typeface="+mn-cs"/>
+              </a:rPr>
+              <a:t>Provincia de Neuquén</a:t>
+            </a:r>
+          </a:p>
+        </p:txBody>
+      </p:sp>
+      <p:sp>
+        <p:nvSpPr>
+          <p:cNvPr id="9" name="Title 1">
+            <a:extLst>
+              <a:ext uri="{FF2B5EF4-FFF2-40B4-BE49-F238E27FC236}">
+                <a16:creationId xmlns:a16="http://schemas.microsoft.com/office/drawing/2014/main" id="{93128DEF-6B12-D58E-1B3A-073B53A66283}"/>
+              </a:ext>
+            </a:extLst>
+          </p:cNvPr>
           <p:cNvSpPr>
             <a:spLocks noGrp="1"/>
           </p:cNvSpPr>
@@ -3110,50 +3523,47 @@
             <p:ph type="ctrTitle"/>
           </p:nvPr>
         </p:nvSpPr>
-        <p:spPr/>
-        <p:txBody>
-          <a:bodyPr/>
-          <a:lstStyle/>
-          <a:p>
-            <a:r>
-              <a:t>Proyecto SMN - Gestión de Grandes Volúmenes de Datos</a:t>
-            </a:r>
-          </a:p>
-        </p:txBody>
-      </p:sp>
-      <p:sp>
-        <p:nvSpPr>
-          <p:cNvPr id="3" name="Subtitle 2"/>
-          <p:cNvSpPr>
-            <a:spLocks noGrp="1"/>
-          </p:cNvSpPr>
-          <p:nvPr>
-            <p:ph type="subTitle" idx="1"/>
-          </p:nvPr>
-        </p:nvSpPr>
-        <p:spPr/>
-        <p:txBody>
-          <a:bodyPr/>
-          <a:lstStyle/>
-          <a:p>
-            <a:r>
-              <a:t>Resultados del Análisis Meteorológico</a:t>
-            </a:r>
-          </a:p>
-          <a:p>
-            <a:r>
-              <a:t>Provincia de Neuquén</a:t>
-            </a:r>
-          </a:p>
-          <a:p/>
-          <a:p>
-            <a:r>
-              <a:t>Servicio Meteorológico Nacional - Argentina</a:t>
+        <p:spPr>
+          <a:xfrm>
+            <a:off x="914400" y="2580114"/>
+            <a:ext cx="10363200" cy="1470025"/>
+          </a:xfrm>
+        </p:spPr>
+        <p:txBody>
+          <a:bodyPr>
+            <a:normAutofit/>
+          </a:bodyPr>
+          <a:lstStyle/>
+          <a:p>
+            <a:r>
+              <a:rPr dirty="0"/>
+              <a:t>Proyecto SMN - </a:t>
+            </a:r>
+            <a:r>
+              <a:rPr dirty="0" err="1"/>
+              <a:t>Gestión</a:t>
+            </a:r>
+            <a:r>
+              <a:rPr dirty="0"/>
+              <a:t> de Grandes </a:t>
+            </a:r>
+            <a:r>
+              <a:rPr dirty="0" err="1"/>
+              <a:t>Volúmenes</a:t>
+            </a:r>
+            <a:r>
+              <a:rPr dirty="0"/>
+              <a:t> de Datos</a:t>
             </a:r>
           </a:p>
         </p:txBody>
       </p:sp>
     </p:spTree>
+    <p:extLst>
+      <p:ext uri="{BB962C8B-B14F-4D97-AF65-F5344CB8AC3E}">
+        <p14:creationId xmlns:p14="http://schemas.microsoft.com/office/powerpoint/2010/main" val="3843834161"/>
+      </p:ext>
+    </p:extLst>
   </p:cSld>
   <p:clrMapOvr>
     <a:masterClrMapping/>
@@ -3162,7 +3572,7 @@
 </file>
 
 <file path=ppt/slides/slide10.xml><?xml version="1.0" encoding="utf-8"?>
-<p:sld xmlns:a="http://schemas.openxmlformats.org/drawingml/2006/main" xmlns:p="http://schemas.openxmlformats.org/presentationml/2006/main" xmlns:r="http://schemas.openxmlformats.org/officeDocument/2006/relationships">
+<p:sld xmlns:a="http://schemas.openxmlformats.org/drawingml/2006/main" xmlns:r="http://schemas.openxmlformats.org/officeDocument/2006/relationships" xmlns:p="http://schemas.openxmlformats.org/presentationml/2006/main">
   <p:cSld>
     <p:spTree>
       <p:nvGrpSpPr>
@@ -3170,7 +3580,14 @@
         <p:cNvGrpSpPr/>
         <p:nvPr/>
       </p:nvGrpSpPr>
-      <p:grpSpPr/>
+      <p:grpSpPr>
+        <a:xfrm>
+          <a:off x="0" y="0"/>
+          <a:ext cx="0" cy="0"/>
+          <a:chOff x="0" y="0"/>
+          <a:chExt cx="0" cy="0"/>
+        </a:xfrm>
+      </p:grpSpPr>
       <p:sp>
         <p:nvSpPr>
           <p:cNvPr id="2" name="Title 1"/>
@@ -3204,85 +3621,120 @@
         </p:nvSpPr>
         <p:spPr/>
         <p:txBody>
-          <a:bodyPr/>
-          <a:lstStyle/>
-          <a:p>
-            <a:pPr/>
+          <a:bodyPr>
+            <a:normAutofit fontScale="62500" lnSpcReduction="20000"/>
+          </a:bodyPr>
+          <a:lstStyle/>
+          <a:p>
             <a:r>
               <a:t>• ZONA ANDINA (CHAPELCO):</a:t>
             </a:r>
           </a:p>
           <a:p>
-            <a:pPr/>
             <a:r>
               <a:t>  → Gestión turística y deportes de montaña</a:t>
             </a:r>
           </a:p>
           <a:p>
-            <a:pPr/>
             <a:r>
               <a:t>  → Predicción de condiciones para aviación</a:t>
             </a:r>
           </a:p>
           <a:p>
-            <a:pPr/>
             <a:r>
               <a:t>  → Monitoreo de ecosistemas patagónicos</a:t>
             </a:r>
           </a:p>
           <a:p>
-            <a:pPr/>
-          </a:p>
-          <a:p>
-            <a:pPr/>
+            <a:endParaRPr/>
+          </a:p>
+          <a:p>
             <a:r>
               <a:t>• ZONA CAPITAL (NEUQUEN):</a:t>
             </a:r>
           </a:p>
           <a:p>
-            <a:pPr/>
             <a:r>
               <a:t>  → Planificación urbana y energética</a:t>
             </a:r>
           </a:p>
           <a:p>
-            <a:pPr/>
             <a:r>
               <a:t>  → Gestión agrícola en valles irrigados</a:t>
             </a:r>
           </a:p>
           <a:p>
-            <a:pPr/>
             <a:r>
               <a:t>  → Optimización de actividades petroleras</a:t>
             </a:r>
           </a:p>
           <a:p>
-            <a:pPr/>
-          </a:p>
-          <a:p>
-            <a:pPr/>
+            <a:endParaRPr/>
+          </a:p>
+          <a:p>
             <a:r>
               <a:t>• APLICACIONES COMBINADAS:</a:t>
             </a:r>
           </a:p>
           <a:p>
-            <a:pPr/>
             <a:r>
               <a:t>  → Modelos meteorológicos provinciales</a:t>
             </a:r>
           </a:p>
           <a:p>
-            <a:pPr/>
             <a:r>
               <a:t>  → Sistema de alertas temprana unificado</a:t>
             </a:r>
           </a:p>
           <a:p>
-            <a:pPr/>
             <a:r>
               <a:t>  → Predicción con 98%+ de precisión</a:t>
             </a:r>
+          </a:p>
+        </p:txBody>
+      </p:sp>
+      <p:sp>
+        <p:nvSpPr>
+          <p:cNvPr id="4" name="2 Rectángulo">
+            <a:extLst>
+              <a:ext uri="{FF2B5EF4-FFF2-40B4-BE49-F238E27FC236}">
+                <a16:creationId xmlns:a16="http://schemas.microsoft.com/office/drawing/2014/main" id="{9FABD042-F32D-257E-4051-89DDFCA3995F}"/>
+              </a:ext>
+            </a:extLst>
+          </p:cNvPr>
+          <p:cNvSpPr/>
+          <p:nvPr/>
+        </p:nvSpPr>
+        <p:spPr>
+          <a:xfrm>
+            <a:off x="1288263" y="1192972"/>
+            <a:ext cx="10011107" cy="85152"/>
+          </a:xfrm>
+          <a:prstGeom prst="rect">
+            <a:avLst/>
+          </a:prstGeom>
+          <a:ln/>
+        </p:spPr>
+        <p:style>
+          <a:lnRef idx="3">
+            <a:schemeClr val="lt1"/>
+          </a:lnRef>
+          <a:fillRef idx="1">
+            <a:schemeClr val="accent1"/>
+          </a:fillRef>
+          <a:effectRef idx="1">
+            <a:schemeClr val="accent1"/>
+          </a:effectRef>
+          <a:fontRef idx="minor">
+            <a:schemeClr val="lt1"/>
+          </a:fontRef>
+        </p:style>
+        <p:txBody>
+          <a:bodyPr rtlCol="0" anchor="ctr"/>
+          <a:lstStyle/>
+          <a:p>
+            <a:pPr algn="ctr"/>
+            <a:endParaRPr lang="es-VE"/>
           </a:p>
         </p:txBody>
       </p:sp>
@@ -3295,7 +3747,7 @@
 </file>
 
 <file path=ppt/slides/slide11.xml><?xml version="1.0" encoding="utf-8"?>
-<p:sld xmlns:a="http://schemas.openxmlformats.org/drawingml/2006/main" xmlns:p="http://schemas.openxmlformats.org/presentationml/2006/main" xmlns:r="http://schemas.openxmlformats.org/officeDocument/2006/relationships">
+<p:sld xmlns:a="http://schemas.openxmlformats.org/drawingml/2006/main" xmlns:r="http://schemas.openxmlformats.org/officeDocument/2006/relationships" xmlns:p="http://schemas.openxmlformats.org/presentationml/2006/main">
   <p:cSld>
     <p:spTree>
       <p:nvGrpSpPr>
@@ -3303,7 +3755,14 @@
         <p:cNvGrpSpPr/>
         <p:nvPr/>
       </p:nvGrpSpPr>
-      <p:grpSpPr/>
+      <p:grpSpPr>
+        <a:xfrm>
+          <a:off x="0" y="0"/>
+          <a:ext cx="0" cy="0"/>
+          <a:chOff x="0" y="0"/>
+          <a:chExt cx="0" cy="0"/>
+        </a:xfrm>
+      </p:grpSpPr>
       <p:sp>
         <p:nvSpPr>
           <p:cNvPr id="2" name="Title 1"/>
@@ -3337,85 +3796,120 @@
         </p:nvSpPr>
         <p:spPr/>
         <p:txBody>
-          <a:bodyPr/>
-          <a:lstStyle/>
-          <a:p>
-            <a:pPr/>
+          <a:bodyPr>
+            <a:normAutofit fontScale="62500" lnSpcReduction="20000"/>
+          </a:bodyPr>
+          <a:lstStyle/>
+          <a:p>
             <a:r>
               <a:t>• ARQUITECTURA DISTRIBUIDA:</a:t>
             </a:r>
           </a:p>
           <a:p>
-            <a:pPr/>
             <a:r>
               <a:t>  → Docker Compose para orquestación</a:t>
             </a:r>
           </a:p>
           <a:p>
-            <a:pPr/>
             <a:r>
               <a:t>  → TimescaleDB para series temporales</a:t>
             </a:r>
           </a:p>
           <a:p>
-            <a:pPr/>
             <a:r>
               <a:t>  → Grafana para visualización en tiempo real</a:t>
             </a:r>
           </a:p>
           <a:p>
-            <a:pPr/>
-          </a:p>
-          <a:p>
-            <a:pPr/>
+            <a:endParaRPr/>
+          </a:p>
+          <a:p>
             <a:r>
               <a:t>• CAPACIDADES MULTI-ESTACIÓN:</a:t>
             </a:r>
           </a:p>
           <a:p>
-            <a:pPr/>
             <a:r>
               <a:t>  → Procesamiento paralelo de ambas estaciones</a:t>
             </a:r>
           </a:p>
           <a:p>
-            <a:pPr/>
             <a:r>
               <a:t>  → Watchers automáticos por ubicación</a:t>
             </a:r>
           </a:p>
           <a:p>
-            <a:pPr/>
             <a:r>
               <a:t>  → Sincronización de datos horarios</a:t>
             </a:r>
           </a:p>
           <a:p>
-            <a:pPr/>
-          </a:p>
-          <a:p>
-            <a:pPr/>
+            <a:endParaRPr/>
+          </a:p>
+          <a:p>
             <a:r>
               <a:t>• ESCALABILIDAD:</a:t>
             </a:r>
           </a:p>
           <a:p>
-            <a:pPr/>
             <a:r>
               <a:t>  → Fácil integración de nuevas estaciones</a:t>
             </a:r>
           </a:p>
           <a:p>
-            <a:pPr/>
             <a:r>
               <a:t>  → Pipeline reproducible para toda la provincia</a:t>
             </a:r>
           </a:p>
           <a:p>
-            <a:pPr/>
             <a:r>
               <a:t>  → Entorno completamente dockerizado</a:t>
             </a:r>
+          </a:p>
+        </p:txBody>
+      </p:sp>
+      <p:sp>
+        <p:nvSpPr>
+          <p:cNvPr id="4" name="2 Rectángulo">
+            <a:extLst>
+              <a:ext uri="{FF2B5EF4-FFF2-40B4-BE49-F238E27FC236}">
+                <a16:creationId xmlns:a16="http://schemas.microsoft.com/office/drawing/2014/main" id="{2FC1CF84-B6AA-A368-0573-5D05FF43A954}"/>
+              </a:ext>
+            </a:extLst>
+          </p:cNvPr>
+          <p:cNvSpPr/>
+          <p:nvPr/>
+        </p:nvSpPr>
+        <p:spPr>
+          <a:xfrm>
+            <a:off x="1288263" y="1192972"/>
+            <a:ext cx="10011107" cy="85152"/>
+          </a:xfrm>
+          <a:prstGeom prst="rect">
+            <a:avLst/>
+          </a:prstGeom>
+          <a:ln/>
+        </p:spPr>
+        <p:style>
+          <a:lnRef idx="3">
+            <a:schemeClr val="lt1"/>
+          </a:lnRef>
+          <a:fillRef idx="1">
+            <a:schemeClr val="accent1"/>
+          </a:fillRef>
+          <a:effectRef idx="1">
+            <a:schemeClr val="accent1"/>
+          </a:effectRef>
+          <a:fontRef idx="minor">
+            <a:schemeClr val="lt1"/>
+          </a:fontRef>
+        </p:style>
+        <p:txBody>
+          <a:bodyPr rtlCol="0" anchor="ctr"/>
+          <a:lstStyle/>
+          <a:p>
+            <a:pPr algn="ctr"/>
+            <a:endParaRPr lang="es-VE"/>
           </a:p>
         </p:txBody>
       </p:sp>
@@ -3428,7 +3922,7 @@
 </file>
 
 <file path=ppt/slides/slide12.xml><?xml version="1.0" encoding="utf-8"?>
-<p:sld xmlns:a="http://schemas.openxmlformats.org/drawingml/2006/main" xmlns:p="http://schemas.openxmlformats.org/presentationml/2006/main" xmlns:r="http://schemas.openxmlformats.org/officeDocument/2006/relationships">
+<p:sld xmlns:a="http://schemas.openxmlformats.org/drawingml/2006/main" xmlns:r="http://schemas.openxmlformats.org/officeDocument/2006/relationships" xmlns:p="http://schemas.openxmlformats.org/presentationml/2006/main">
   <p:cSld>
     <p:spTree>
       <p:nvGrpSpPr>
@@ -3436,7 +3930,14 @@
         <p:cNvGrpSpPr/>
         <p:nvPr/>
       </p:nvGrpSpPr>
-      <p:grpSpPr/>
+      <p:grpSpPr>
+        <a:xfrm>
+          <a:off x="0" y="0"/>
+          <a:ext cx="0" cy="0"/>
+          <a:chOff x="0" y="0"/>
+          <a:chExt cx="0" cy="0"/>
+        </a:xfrm>
+      </p:grpSpPr>
       <p:sp>
         <p:nvSpPr>
           <p:cNvPr id="2" name="Title 1"/>
@@ -3470,224 +3971,120 @@
         </p:nvSpPr>
         <p:spPr/>
         <p:txBody>
-          <a:bodyPr/>
-          <a:lstStyle/>
-          <a:p>
-            <a:pPr/>
+          <a:bodyPr>
+            <a:normAutofit fontScale="62500" lnSpcReduction="20000"/>
+          </a:bodyPr>
+          <a:lstStyle/>
+          <a:p>
             <a:r>
               <a:t>• PROCESAMIENTO INTEGRAL:</a:t>
             </a:r>
           </a:p>
           <a:p>
-            <a:pPr/>
             <a:r>
               <a:t>  → 852 días de datos (2 estaciones × 426 días cada una)</a:t>
             </a:r>
           </a:p>
           <a:p>
-            <a:pPr/>
             <a:r>
               <a:t>  → 20,448 registros horarios procesados exitosamente</a:t>
             </a:r>
           </a:p>
           <a:p>
-            <a:pPr/>
             <a:r>
               <a:t>  → Calidad excepcional: 99.1% de completitud</a:t>
             </a:r>
           </a:p>
           <a:p>
-            <a:pPr/>
-          </a:p>
-          <a:p>
-            <a:pPr/>
+            <a:endParaRPr/>
+          </a:p>
+          <a:p>
             <a:r>
               <a:t>• MODELOS PREDICTIVOS:</a:t>
             </a:r>
           </a:p>
           <a:p>
-            <a:pPr/>
             <a:r>
               <a:t>  → Árbol de Decisión: precisión perfecta (100%)</a:t>
             </a:r>
           </a:p>
           <a:p>
-            <a:pPr/>
             <a:r>
               <a:t>  → Validación cruzada con datos de ambas estaciones</a:t>
             </a:r>
           </a:p>
           <a:p>
-            <a:pPr/>
             <a:r>
               <a:t>  → Generalización exitosa entre zonas climáticas</a:t>
             </a:r>
           </a:p>
           <a:p>
-            <a:pPr/>
-          </a:p>
-          <a:p>
-            <a:pPr/>
+            <a:endParaRPr/>
+          </a:p>
+          <a:p>
             <a:r>
               <a:t>• COBERTURA PROVINCIAL:</a:t>
             </a:r>
           </a:p>
           <a:p>
-            <a:pPr/>
             <a:r>
               <a:t>  → Representación de microclimas neuquinos</a:t>
             </a:r>
           </a:p>
           <a:p>
-            <a:pPr/>
             <a:r>
               <a:t>  → Base sólida para expansión a toda la provincia</a:t>
             </a:r>
           </a:p>
           <a:p>
-            <a:pPr/>
             <a:r>
               <a:t>  → Metodología replicable para otras provincias</a:t>
             </a:r>
           </a:p>
         </p:txBody>
       </p:sp>
-    </p:spTree>
-  </p:cSld>
-  <p:clrMapOvr>
-    <a:masterClrMapping/>
-  </p:clrMapOvr>
-</p:sld>
-</file>
-
-<file path=ppt/slides/slide13.xml><?xml version="1.0" encoding="utf-8"?>
-<p:sld xmlns:a="http://schemas.openxmlformats.org/drawingml/2006/main" xmlns:p="http://schemas.openxmlformats.org/presentationml/2006/main" xmlns:r="http://schemas.openxmlformats.org/officeDocument/2006/relationships">
-  <p:cSld>
-    <p:spTree>
-      <p:nvGrpSpPr>
-        <p:cNvPr id="1" name=""/>
-        <p:cNvGrpSpPr/>
-        <p:nvPr/>
-      </p:nvGrpSpPr>
-      <p:grpSpPr/>
-      <p:sp>
-        <p:nvSpPr>
-          <p:cNvPr id="2" name="Title 1"/>
-          <p:cNvSpPr>
-            <a:spLocks noGrp="1"/>
-          </p:cNvSpPr>
-          <p:nvPr>
-            <p:ph type="title"/>
-          </p:nvPr>
-        </p:nvSpPr>
-        <p:spPr/>
-        <p:txBody>
-          <a:bodyPr/>
-          <a:lstStyle/>
-          <a:p>
-            <a:r>
-              <a:t>🚀 Próximos Pasos - Expansión Provincial</a:t>
-            </a:r>
-          </a:p>
-        </p:txBody>
-      </p:sp>
-      <p:sp>
-        <p:nvSpPr>
-          <p:cNvPr id="3" name="Content Placeholder 2"/>
-          <p:cNvSpPr>
-            <a:spLocks noGrp="1"/>
-          </p:cNvSpPr>
-          <p:nvPr>
-            <p:ph idx="1"/>
-          </p:nvPr>
-        </p:nvSpPr>
-        <p:spPr/>
-        <p:txBody>
-          <a:bodyPr/>
-          <a:lstStyle/>
-          <a:p>
-            <a:pPr/>
-            <a:r>
-              <a:t>• EXPANSIÓN GEOGRÁFICA:</a:t>
-            </a:r>
-          </a:p>
-          <a:p>
-            <a:pPr/>
-            <a:r>
-              <a:t>  → Integrar estaciones adicionales de Neuquén</a:t>
-            </a:r>
-          </a:p>
-          <a:p>
-            <a:pPr/>
-            <a:r>
-              <a:t>  → Expandir a provincias vecinas (Río Negro, Mendoza)</a:t>
-            </a:r>
-          </a:p>
-          <a:p>
-            <a:pPr/>
-            <a:r>
-              <a:t>  → Crear red meteorológica patagónica</a:t>
-            </a:r>
-          </a:p>
-          <a:p>
-            <a:pPr/>
-          </a:p>
-          <a:p>
-            <a:pPr/>
-            <a:r>
-              <a:t>• MEJORAS TÉCNICAS:</a:t>
-            </a:r>
-          </a:p>
-          <a:p>
-            <a:pPr/>
-            <a:r>
-              <a:t>  → Modelos de deep learning multi-estación</a:t>
-            </a:r>
-          </a:p>
-          <a:p>
-            <a:pPr/>
-            <a:r>
-              <a:t>  → Predicción espacial entre ubicaciones</a:t>
-            </a:r>
-          </a:p>
-          <a:p>
-            <a:pPr/>
-            <a:r>
-              <a:t>  → Integración con datos satelitales y radares</a:t>
-            </a:r>
-          </a:p>
-          <a:p>
-            <a:pPr/>
-          </a:p>
-          <a:p>
-            <a:pPr/>
-            <a:r>
-              <a:t>• PRODUCTOS OPERATIVOS:</a:t>
-            </a:r>
-          </a:p>
-          <a:p>
-            <a:pPr/>
-            <a:r>
-              <a:t>  → Dashboard provincial en tiempo real</a:t>
-            </a:r>
-          </a:p>
-          <a:p>
-            <a:pPr/>
-            <a:r>
-              <a:t>  → API pública para desarrolladores</a:t>
-            </a:r>
-          </a:p>
-          <a:p>
-            <a:pPr/>
-            <a:r>
-              <a:t>  → Sistema de alertas diferenciado por zona</a:t>
-            </a:r>
-          </a:p>
-          <a:p>
-            <a:pPr/>
-            <a:r>
-              <a:t>  → App móvil para usuarios finales</a:t>
-            </a:r>
+      <p:sp>
+        <p:nvSpPr>
+          <p:cNvPr id="4" name="2 Rectángulo">
+            <a:extLst>
+              <a:ext uri="{FF2B5EF4-FFF2-40B4-BE49-F238E27FC236}">
+                <a16:creationId xmlns:a16="http://schemas.microsoft.com/office/drawing/2014/main" id="{D1E7E764-AEAA-242B-EEA8-F8B043C32636}"/>
+              </a:ext>
+            </a:extLst>
+          </p:cNvPr>
+          <p:cNvSpPr/>
+          <p:nvPr/>
+        </p:nvSpPr>
+        <p:spPr>
+          <a:xfrm>
+            <a:off x="1288263" y="1192972"/>
+            <a:ext cx="10011107" cy="85152"/>
+          </a:xfrm>
+          <a:prstGeom prst="rect">
+            <a:avLst/>
+          </a:prstGeom>
+          <a:ln/>
+        </p:spPr>
+        <p:style>
+          <a:lnRef idx="3">
+            <a:schemeClr val="lt1"/>
+          </a:lnRef>
+          <a:fillRef idx="1">
+            <a:schemeClr val="accent1"/>
+          </a:fillRef>
+          <a:effectRef idx="1">
+            <a:schemeClr val="accent1"/>
+          </a:effectRef>
+          <a:fontRef idx="minor">
+            <a:schemeClr val="lt1"/>
+          </a:fontRef>
+        </p:style>
+        <p:txBody>
+          <a:bodyPr rtlCol="0" anchor="ctr"/>
+          <a:lstStyle/>
+          <a:p>
+            <a:pPr algn="ctr"/>
+            <a:endParaRPr lang="es-VE"/>
           </a:p>
         </p:txBody>
       </p:sp>
@@ -3700,7 +4097,7 @@
 </file>
 
 <file path=ppt/slides/slide2.xml><?xml version="1.0" encoding="utf-8"?>
-<p:sld xmlns:a="http://schemas.openxmlformats.org/drawingml/2006/main" xmlns:p="http://schemas.openxmlformats.org/presentationml/2006/main" xmlns:r="http://schemas.openxmlformats.org/officeDocument/2006/relationships">
+<p:sld xmlns:a="http://schemas.openxmlformats.org/drawingml/2006/main" xmlns:r="http://schemas.openxmlformats.org/officeDocument/2006/relationships" xmlns:p="http://schemas.openxmlformats.org/presentationml/2006/main">
   <p:cSld>
     <p:spTree>
       <p:nvGrpSpPr>
@@ -3708,7 +4105,14 @@
         <p:cNvGrpSpPr/>
         <p:nvPr/>
       </p:nvGrpSpPr>
-      <p:grpSpPr/>
+      <p:grpSpPr>
+        <a:xfrm>
+          <a:off x="0" y="0"/>
+          <a:ext cx="0" cy="0"/>
+          <a:chOff x="0" y="0"/>
+          <a:chExt cx="0" cy="0"/>
+        </a:xfrm>
+      </p:grpSpPr>
       <p:sp>
         <p:nvSpPr>
           <p:cNvPr id="2" name="Title 1"/>
@@ -3745,40 +4149,236 @@
           <a:bodyPr/>
           <a:lstStyle/>
           <a:p>
-            <a:pPr/>
-            <a:r>
-              <a:t>• Pipeline de datos por capas (Bronce → Plata → Oro)</a:t>
-            </a:r>
-          </a:p>
-          <a:p>
-            <a:pPr/>
-            <a:r>
-              <a:t>• Procesamiento de datos meteorológicos del SMN Argentina</a:t>
-            </a:r>
-          </a:p>
-          <a:p>
-            <a:pPr/>
-            <a:r>
-              <a:t>• Estaciones analizadas: CHAPELCO AERO + NEUQUEN AERO</a:t>
-            </a:r>
-          </a:p>
-          <a:p>
-            <a:pPr/>
-            <a:r>
-              <a:t>• Período: Junio 2024 - Julio 2025 (13+ meses)</a:t>
-            </a:r>
-          </a:p>
-          <a:p>
-            <a:pPr/>
-            <a:r>
-              <a:t>• Metodología: Arquitectura Medallón + Machine Learning</a:t>
-            </a:r>
-          </a:p>
-          <a:p>
-            <a:pPr/>
-            <a:r>
-              <a:t>• Objetivo: Predicción meteorológica con alta precisión</a:t>
-            </a:r>
+            <a:pPr marL="0" indent="0">
+              <a:buNone/>
+            </a:pPr>
+            <a:r>
+              <a:rPr dirty="0"/>
+              <a:t>• Pipeline de </a:t>
+            </a:r>
+            <a:r>
+              <a:rPr dirty="0" err="1"/>
+              <a:t>datos</a:t>
+            </a:r>
+            <a:r>
+              <a:rPr dirty="0"/>
+              <a:t> </a:t>
+            </a:r>
+            <a:r>
+              <a:rPr dirty="0" err="1"/>
+              <a:t>por</a:t>
+            </a:r>
+            <a:r>
+              <a:rPr dirty="0"/>
+              <a:t> </a:t>
+            </a:r>
+            <a:r>
+              <a:rPr dirty="0" err="1"/>
+              <a:t>capas</a:t>
+            </a:r>
+            <a:r>
+              <a:rPr dirty="0"/>
+              <a:t> (Bronce → Plata → Oro)</a:t>
+            </a:r>
+          </a:p>
+          <a:p>
+            <a:pPr marL="0" indent="0">
+              <a:buNone/>
+            </a:pPr>
+            <a:r>
+              <a:rPr dirty="0"/>
+              <a:t>• </a:t>
+            </a:r>
+            <a:r>
+              <a:rPr dirty="0" err="1"/>
+              <a:t>Procesamiento</a:t>
+            </a:r>
+            <a:r>
+              <a:rPr dirty="0"/>
+              <a:t> de </a:t>
+            </a:r>
+            <a:r>
+              <a:rPr dirty="0" err="1"/>
+              <a:t>datos</a:t>
+            </a:r>
+            <a:r>
+              <a:rPr dirty="0"/>
+              <a:t> </a:t>
+            </a:r>
+            <a:r>
+              <a:rPr dirty="0" err="1"/>
+              <a:t>meteorológicos</a:t>
+            </a:r>
+            <a:r>
+              <a:rPr dirty="0"/>
+              <a:t> del SMN Argentina</a:t>
+            </a:r>
+          </a:p>
+          <a:p>
+            <a:pPr marL="0" indent="0">
+              <a:buNone/>
+            </a:pPr>
+            <a:r>
+              <a:rPr dirty="0"/>
+              <a:t>• </a:t>
+            </a:r>
+            <a:r>
+              <a:rPr dirty="0" err="1"/>
+              <a:t>Estaciones</a:t>
+            </a:r>
+            <a:r>
+              <a:rPr dirty="0"/>
+              <a:t> </a:t>
+            </a:r>
+            <a:r>
+              <a:rPr dirty="0" err="1"/>
+              <a:t>analizadas</a:t>
+            </a:r>
+            <a:r>
+              <a:rPr dirty="0"/>
+              <a:t>: CHAPELCO AERO + NEUQUEN AERO</a:t>
+            </a:r>
+          </a:p>
+          <a:p>
+            <a:pPr marL="0" indent="0">
+              <a:buNone/>
+            </a:pPr>
+            <a:r>
+              <a:rPr dirty="0"/>
+              <a:t>• </a:t>
+            </a:r>
+            <a:r>
+              <a:rPr dirty="0" err="1"/>
+              <a:t>Período</a:t>
+            </a:r>
+            <a:r>
+              <a:rPr dirty="0"/>
+              <a:t>: Junio 2024 - Julio 2025 (13+ meses)</a:t>
+            </a:r>
+          </a:p>
+          <a:p>
+            <a:pPr marL="0" indent="0">
+              <a:buNone/>
+            </a:pPr>
+            <a:r>
+              <a:rPr dirty="0"/>
+              <a:t>• </a:t>
+            </a:r>
+            <a:r>
+              <a:rPr dirty="0" err="1"/>
+              <a:t>Metodología</a:t>
+            </a:r>
+            <a:r>
+              <a:rPr dirty="0"/>
+              <a:t>: </a:t>
+            </a:r>
+            <a:r>
+              <a:rPr dirty="0" err="1"/>
+              <a:t>Arquitectura</a:t>
+            </a:r>
+            <a:r>
+              <a:rPr dirty="0"/>
+              <a:t> </a:t>
+            </a:r>
+            <a:r>
+              <a:rPr dirty="0" err="1"/>
+              <a:t>Medallón</a:t>
+            </a:r>
+            <a:r>
+              <a:rPr dirty="0"/>
+              <a:t> + Machine Learning</a:t>
+            </a:r>
+          </a:p>
+          <a:p>
+            <a:pPr marL="0" indent="0">
+              <a:buNone/>
+            </a:pPr>
+            <a:r>
+              <a:rPr dirty="0"/>
+              <a:t>• </a:t>
+            </a:r>
+            <a:r>
+              <a:rPr dirty="0" err="1"/>
+              <a:t>Objetivo</a:t>
+            </a:r>
+            <a:r>
+              <a:rPr dirty="0"/>
+              <a:t>: </a:t>
+            </a:r>
+            <a:r>
+              <a:rPr dirty="0" err="1"/>
+              <a:t>Predicción</a:t>
+            </a:r>
+            <a:r>
+              <a:rPr dirty="0"/>
+              <a:t> </a:t>
+            </a:r>
+            <a:r>
+              <a:rPr dirty="0" err="1"/>
+              <a:t>meteorológica</a:t>
+            </a:r>
+            <a:r>
+              <a:rPr dirty="0"/>
+              <a:t> con </a:t>
+            </a:r>
+            <a:r>
+              <a:rPr dirty="0" err="1"/>
+              <a:t>alta</a:t>
+            </a:r>
+            <a:r>
+              <a:rPr dirty="0"/>
+              <a:t> </a:t>
+            </a:r>
+            <a:r>
+              <a:rPr dirty="0" err="1"/>
+              <a:t>precisión</a:t>
+            </a:r>
+            <a:endParaRPr dirty="0"/>
+          </a:p>
+        </p:txBody>
+      </p:sp>
+      <p:sp>
+        <p:nvSpPr>
+          <p:cNvPr id="4" name="2 Rectángulo">
+            <a:extLst>
+              <a:ext uri="{FF2B5EF4-FFF2-40B4-BE49-F238E27FC236}">
+                <a16:creationId xmlns:a16="http://schemas.microsoft.com/office/drawing/2014/main" id="{6AC14FA6-5003-8C2D-0FFD-C1D02C7AC114}"/>
+              </a:ext>
+            </a:extLst>
+          </p:cNvPr>
+          <p:cNvSpPr/>
+          <p:nvPr/>
+        </p:nvSpPr>
+        <p:spPr>
+          <a:xfrm>
+            <a:off x="1288263" y="1192972"/>
+            <a:ext cx="10011107" cy="85152"/>
+          </a:xfrm>
+          <a:prstGeom prst="rect">
+            <a:avLst/>
+          </a:prstGeom>
+          <a:ln/>
+        </p:spPr>
+        <p:style>
+          <a:lnRef idx="3">
+            <a:schemeClr val="lt1"/>
+          </a:lnRef>
+          <a:fillRef idx="1">
+            <a:schemeClr val="accent1"/>
+          </a:fillRef>
+          <a:effectRef idx="1">
+            <a:schemeClr val="accent1"/>
+          </a:effectRef>
+          <a:fontRef idx="minor">
+            <a:schemeClr val="lt1"/>
+          </a:fontRef>
+        </p:style>
+        <p:txBody>
+          <a:bodyPr rtlCol="0" anchor="ctr"/>
+          <a:lstStyle/>
+          <a:p>
+            <a:pPr algn="ctr"/>
+            <a:endParaRPr lang="es-VE"/>
           </a:p>
         </p:txBody>
       </p:sp>
@@ -3791,7 +4391,7 @@
 </file>
 
 <file path=ppt/slides/slide3.xml><?xml version="1.0" encoding="utf-8"?>
-<p:sld xmlns:a="http://schemas.openxmlformats.org/drawingml/2006/main" xmlns:p="http://schemas.openxmlformats.org/presentationml/2006/main" xmlns:r="http://schemas.openxmlformats.org/officeDocument/2006/relationships">
+<p:sld xmlns:a="http://schemas.openxmlformats.org/drawingml/2006/main" xmlns:r="http://schemas.openxmlformats.org/officeDocument/2006/relationships" xmlns:p="http://schemas.openxmlformats.org/presentationml/2006/main">
   <p:cSld>
     <p:spTree>
       <p:nvGrpSpPr>
@@ -3799,7 +4399,14 @@
         <p:cNvGrpSpPr/>
         <p:nvPr/>
       </p:nvGrpSpPr>
-      <p:grpSpPr/>
+      <p:grpSpPr>
+        <a:xfrm>
+          <a:off x="0" y="0"/>
+          <a:ext cx="0" cy="0"/>
+          <a:chOff x="0" y="0"/>
+          <a:chExt cx="0" cy="0"/>
+        </a:xfrm>
+      </p:grpSpPr>
       <p:sp>
         <p:nvSpPr>
           <p:cNvPr id="2" name="Title 1"/>
@@ -3812,7 +4419,9 @@
         </p:nvSpPr>
         <p:spPr/>
         <p:txBody>
-          <a:bodyPr/>
+          <a:bodyPr>
+            <a:normAutofit fontScale="90000"/>
+          </a:bodyPr>
           <a:lstStyle/>
           <a:p>
             <a:r>
@@ -3833,73 +4442,110 @@
         </p:nvSpPr>
         <p:spPr/>
         <p:txBody>
-          <a:bodyPr/>
-          <a:lstStyle/>
-          <a:p>
-            <a:pPr/>
+          <a:bodyPr>
+            <a:normAutofit fontScale="70000" lnSpcReduction="20000"/>
+          </a:bodyPr>
+          <a:lstStyle/>
+          <a:p>
             <a:r>
               <a:t>• ESTACIONES METEOROLÓGICAS:</a:t>
             </a:r>
           </a:p>
           <a:p>
-            <a:pPr/>
             <a:r>
               <a:t>  → CHAPELCO AERO (zona andina/montañosa)</a:t>
             </a:r>
           </a:p>
           <a:p>
-            <a:pPr/>
             <a:r>
               <a:t>  → NEUQUEN AERO (capital provincial)</a:t>
             </a:r>
           </a:p>
           <a:p>
-            <a:pPr/>
-          </a:p>
-          <a:p>
-            <a:pPr/>
+            <a:endParaRPr/>
+          </a:p>
+          <a:p>
             <a:r>
               <a:t>• VOLUMEN DE DATOS:</a:t>
             </a:r>
           </a:p>
           <a:p>
-            <a:pPr/>
             <a:r>
               <a:t>  → 852 registros diarios (426 días × 2 estaciones)</a:t>
             </a:r>
           </a:p>
           <a:p>
-            <a:pPr/>
             <a:r>
               <a:t>  → 20,448 registros horarios procesados</a:t>
             </a:r>
           </a:p>
           <a:p>
-            <a:pPr/>
             <a:r>
               <a:t>  → Período completo: 13+ meses de información</a:t>
             </a:r>
           </a:p>
           <a:p>
-            <a:pPr/>
-          </a:p>
-          <a:p>
-            <a:pPr/>
+            <a:endParaRPr/>
+          </a:p>
+          <a:p>
             <a:r>
               <a:t>• CALIDAD DE DATOS:</a:t>
             </a:r>
           </a:p>
           <a:p>
-            <a:pPr/>
             <a:r>
               <a:t>  → 99.1% completitud (solo 8 días faltantes total)</a:t>
             </a:r>
           </a:p>
           <a:p>
-            <a:pPr/>
             <a:r>
               <a:t>  → Variables: TEMP, HUM, PNM, DD, FF para ambas estaciones</a:t>
             </a:r>
+          </a:p>
+        </p:txBody>
+      </p:sp>
+      <p:sp>
+        <p:nvSpPr>
+          <p:cNvPr id="4" name="2 Rectángulo">
+            <a:extLst>
+              <a:ext uri="{FF2B5EF4-FFF2-40B4-BE49-F238E27FC236}">
+                <a16:creationId xmlns:a16="http://schemas.microsoft.com/office/drawing/2014/main" id="{5CE81926-8E85-F125-07FA-65969432B278}"/>
+              </a:ext>
+            </a:extLst>
+          </p:cNvPr>
+          <p:cNvSpPr/>
+          <p:nvPr/>
+        </p:nvSpPr>
+        <p:spPr>
+          <a:xfrm>
+            <a:off x="1288263" y="1192972"/>
+            <a:ext cx="10011107" cy="85152"/>
+          </a:xfrm>
+          <a:prstGeom prst="rect">
+            <a:avLst/>
+          </a:prstGeom>
+          <a:ln/>
+        </p:spPr>
+        <p:style>
+          <a:lnRef idx="3">
+            <a:schemeClr val="lt1"/>
+          </a:lnRef>
+          <a:fillRef idx="1">
+            <a:schemeClr val="accent1"/>
+          </a:fillRef>
+          <a:effectRef idx="1">
+            <a:schemeClr val="accent1"/>
+          </a:effectRef>
+          <a:fontRef idx="minor">
+            <a:schemeClr val="lt1"/>
+          </a:fontRef>
+        </p:style>
+        <p:txBody>
+          <a:bodyPr rtlCol="0" anchor="ctr"/>
+          <a:lstStyle/>
+          <a:p>
+            <a:pPr algn="ctr"/>
+            <a:endParaRPr lang="es-VE"/>
           </a:p>
         </p:txBody>
       </p:sp>
@@ -3912,7 +4558,7 @@
 </file>
 
 <file path=ppt/slides/slide4.xml><?xml version="1.0" encoding="utf-8"?>
-<p:sld xmlns:a="http://schemas.openxmlformats.org/drawingml/2006/main" xmlns:p="http://schemas.openxmlformats.org/presentationml/2006/main" xmlns:r="http://schemas.openxmlformats.org/officeDocument/2006/relationships">
+<p:sld xmlns:a="http://schemas.openxmlformats.org/drawingml/2006/main" xmlns:r="http://schemas.openxmlformats.org/officeDocument/2006/relationships" xmlns:p="http://schemas.openxmlformats.org/presentationml/2006/main">
   <p:cSld>
     <p:spTree>
       <p:nvGrpSpPr>
@@ -3920,7 +4566,14 @@
         <p:cNvGrpSpPr/>
         <p:nvPr/>
       </p:nvGrpSpPr>
-      <p:grpSpPr/>
+      <p:grpSpPr>
+        <a:xfrm>
+          <a:off x="0" y="0"/>
+          <a:ext cx="0" cy="0"/>
+          <a:chOff x="0" y="0"/>
+          <a:chExt cx="0" cy="0"/>
+        </a:xfrm>
+      </p:grpSpPr>
       <p:sp>
         <p:nvSpPr>
           <p:cNvPr id="2" name="Title 1"/>
@@ -3954,85 +4607,120 @@
         </p:nvSpPr>
         <p:spPr/>
         <p:txBody>
-          <a:bodyPr/>
-          <a:lstStyle/>
-          <a:p>
-            <a:pPr/>
+          <a:bodyPr>
+            <a:normAutofit fontScale="62500" lnSpcReduction="20000"/>
+          </a:bodyPr>
+          <a:lstStyle/>
+          <a:p>
             <a:r>
               <a:t>CHAPELCO AERO (Zona Andina):</a:t>
             </a:r>
           </a:p>
           <a:p>
-            <a:pPr/>
             <a:r>
               <a:t>  → Temperaturas más bajas (clima montañoso)</a:t>
             </a:r>
           </a:p>
           <a:p>
-            <a:pPr/>
             <a:r>
               <a:t>  → Mayor humedad relativa</a:t>
             </a:r>
           </a:p>
           <a:p>
-            <a:pPr/>
             <a:r>
               <a:t>  → Condiciones más estables</a:t>
             </a:r>
           </a:p>
           <a:p>
-            <a:pPr/>
-          </a:p>
-          <a:p>
-            <a:pPr/>
+            <a:endParaRPr/>
+          </a:p>
+          <a:p>
             <a:r>
               <a:t>NEUQUEN AERO (Capital):</a:t>
             </a:r>
           </a:p>
           <a:p>
-            <a:pPr/>
             <a:r>
               <a:t>  → Temperaturas más altas (clima continental)</a:t>
             </a:r>
           </a:p>
           <a:p>
-            <a:pPr/>
             <a:r>
               <a:t>  → Menor humedad (más seco)</a:t>
             </a:r>
           </a:p>
           <a:p>
-            <a:pPr/>
             <a:r>
               <a:t>  → Mayor variabilidad térmica diaria</a:t>
             </a:r>
           </a:p>
           <a:p>
-            <a:pPr/>
-          </a:p>
-          <a:p>
-            <a:pPr/>
+            <a:endParaRPr/>
+          </a:p>
+          <a:p>
             <a:r>
               <a:t>RANGO COMBINADO:</a:t>
             </a:r>
           </a:p>
           <a:p>
-            <a:pPr/>
             <a:r>
               <a:t>  → Temperaturas: -7°C a +23°C</a:t>
             </a:r>
           </a:p>
           <a:p>
-            <a:pPr/>
             <a:r>
               <a:t>  → Humedad: 31% a 98%</a:t>
             </a:r>
           </a:p>
           <a:p>
-            <a:pPr/>
             <a:r>
               <a:t>  → Presión: 997-1039 hPa</a:t>
             </a:r>
+          </a:p>
+        </p:txBody>
+      </p:sp>
+      <p:sp>
+        <p:nvSpPr>
+          <p:cNvPr id="4" name="2 Rectángulo">
+            <a:extLst>
+              <a:ext uri="{FF2B5EF4-FFF2-40B4-BE49-F238E27FC236}">
+                <a16:creationId xmlns:a16="http://schemas.microsoft.com/office/drawing/2014/main" id="{9AA1B506-CC62-3F92-2BD2-CEFA791B220C}"/>
+              </a:ext>
+            </a:extLst>
+          </p:cNvPr>
+          <p:cNvSpPr/>
+          <p:nvPr/>
+        </p:nvSpPr>
+        <p:spPr>
+          <a:xfrm>
+            <a:off x="1288263" y="1192972"/>
+            <a:ext cx="10011107" cy="85152"/>
+          </a:xfrm>
+          <a:prstGeom prst="rect">
+            <a:avLst/>
+          </a:prstGeom>
+          <a:ln/>
+        </p:spPr>
+        <p:style>
+          <a:lnRef idx="3">
+            <a:schemeClr val="lt1"/>
+          </a:lnRef>
+          <a:fillRef idx="1">
+            <a:schemeClr val="accent1"/>
+          </a:fillRef>
+          <a:effectRef idx="1">
+            <a:schemeClr val="accent1"/>
+          </a:effectRef>
+          <a:fontRef idx="minor">
+            <a:schemeClr val="lt1"/>
+          </a:fontRef>
+        </p:style>
+        <p:txBody>
+          <a:bodyPr rtlCol="0" anchor="ctr"/>
+          <a:lstStyle/>
+          <a:p>
+            <a:pPr algn="ctr"/>
+            <a:endParaRPr lang="es-VE"/>
           </a:p>
         </p:txBody>
       </p:sp>
@@ -4045,7 +4733,7 @@
 </file>
 
 <file path=ppt/slides/slide5.xml><?xml version="1.0" encoding="utf-8"?>
-<p:sld xmlns:a="http://schemas.openxmlformats.org/drawingml/2006/main" xmlns:p="http://schemas.openxmlformats.org/presentationml/2006/main" xmlns:r="http://schemas.openxmlformats.org/officeDocument/2006/relationships">
+<p:sld xmlns:a="http://schemas.openxmlformats.org/drawingml/2006/main" xmlns:r="http://schemas.openxmlformats.org/officeDocument/2006/relationships" xmlns:p="http://schemas.openxmlformats.org/presentationml/2006/main">
   <p:cSld>
     <p:spTree>
       <p:nvGrpSpPr>
@@ -4053,7 +4741,14 @@
         <p:cNvGrpSpPr/>
         <p:nvPr/>
       </p:nvGrpSpPr>
-      <p:grpSpPr/>
+      <p:grpSpPr>
+        <a:xfrm>
+          <a:off x="0" y="0"/>
+          <a:ext cx="0" cy="0"/>
+          <a:chOff x="0" y="0"/>
+          <a:chExt cx="0" cy="0"/>
+        </a:xfrm>
+      </p:grpSpPr>
       <p:sp>
         <p:nvSpPr>
           <p:cNvPr id="2" name="Title 1"/>
@@ -4066,7 +4761,9 @@
         </p:nvSpPr>
         <p:spPr/>
         <p:txBody>
-          <a:bodyPr/>
+          <a:bodyPr>
+            <a:normAutofit fontScale="90000"/>
+          </a:bodyPr>
           <a:lstStyle/>
           <a:p>
             <a:r>
@@ -4087,73 +4784,110 @@
         </p:nvSpPr>
         <p:spPr/>
         <p:txBody>
-          <a:bodyPr/>
-          <a:lstStyle/>
-          <a:p>
-            <a:pPr/>
+          <a:bodyPr>
+            <a:normAutofit fontScale="70000" lnSpcReduction="20000"/>
+          </a:bodyPr>
+          <a:lstStyle/>
+          <a:p>
             <a:r>
               <a:t>• VARIABLE LLUEVE generada con regla heurística:</a:t>
             </a:r>
           </a:p>
           <a:p>
-            <a:pPr/>
             <a:r>
               <a:t>  → LLUEVE = 1 si Humedad &gt; 75% Y Presión &lt; 1010 hPa</a:t>
             </a:r>
           </a:p>
           <a:p>
-            <a:pPr/>
             <a:r>
               <a:t>  → LLUEVE = 0 en caso contrario</a:t>
             </a:r>
           </a:p>
           <a:p>
-            <a:pPr/>
-          </a:p>
-          <a:p>
-            <a:pPr/>
+            <a:endParaRPr/>
+          </a:p>
+          <a:p>
             <a:r>
               <a:t>• DISTRIBUCIÓN TOTAL (852 días):</a:t>
             </a:r>
           </a:p>
           <a:p>
-            <a:pPr/>
             <a:r>
               <a:t>  → Días sin lluvia: 823 días (96.6%)</a:t>
             </a:r>
           </a:p>
           <a:p>
-            <a:pPr/>
             <a:r>
               <a:t>  → Días con lluvia: 29 días (3.4%)</a:t>
             </a:r>
           </a:p>
           <a:p>
-            <a:pPr/>
-          </a:p>
-          <a:p>
-            <a:pPr/>
+            <a:endParaRPr/>
+          </a:p>
+          <a:p>
             <a:r>
               <a:t>• PATRONES IDENTIFICADOS:</a:t>
             </a:r>
           </a:p>
           <a:p>
-            <a:pPr/>
             <a:r>
               <a:t>  → Correlación alta humedad-presión baja</a:t>
             </a:r>
           </a:p>
           <a:p>
-            <a:pPr/>
             <a:r>
               <a:t>  → Diferencias entre zona andina y capital</a:t>
             </a:r>
           </a:p>
           <a:p>
-            <a:pPr/>
             <a:r>
               <a:t>  → Base sólida para modelos predictivos</a:t>
             </a:r>
+          </a:p>
+        </p:txBody>
+      </p:sp>
+      <p:sp>
+        <p:nvSpPr>
+          <p:cNvPr id="4" name="2 Rectángulo">
+            <a:extLst>
+              <a:ext uri="{FF2B5EF4-FFF2-40B4-BE49-F238E27FC236}">
+                <a16:creationId xmlns:a16="http://schemas.microsoft.com/office/drawing/2014/main" id="{DD64097A-F58E-4DE5-D38B-E67B93C1FF55}"/>
+              </a:ext>
+            </a:extLst>
+          </p:cNvPr>
+          <p:cNvSpPr/>
+          <p:nvPr/>
+        </p:nvSpPr>
+        <p:spPr>
+          <a:xfrm>
+            <a:off x="1288263" y="1192972"/>
+            <a:ext cx="10011107" cy="85152"/>
+          </a:xfrm>
+          <a:prstGeom prst="rect">
+            <a:avLst/>
+          </a:prstGeom>
+          <a:ln/>
+        </p:spPr>
+        <p:style>
+          <a:lnRef idx="3">
+            <a:schemeClr val="lt1"/>
+          </a:lnRef>
+          <a:fillRef idx="1">
+            <a:schemeClr val="accent1"/>
+          </a:fillRef>
+          <a:effectRef idx="1">
+            <a:schemeClr val="accent1"/>
+          </a:effectRef>
+          <a:fontRef idx="minor">
+            <a:schemeClr val="lt1"/>
+          </a:fontRef>
+        </p:style>
+        <p:txBody>
+          <a:bodyPr rtlCol="0" anchor="ctr"/>
+          <a:lstStyle/>
+          <a:p>
+            <a:pPr algn="ctr"/>
+            <a:endParaRPr lang="es-VE"/>
           </a:p>
         </p:txBody>
       </p:sp>
@@ -4166,7 +4900,7 @@
 </file>
 
 <file path=ppt/slides/slide6.xml><?xml version="1.0" encoding="utf-8"?>
-<p:sld xmlns:a="http://schemas.openxmlformats.org/drawingml/2006/main" xmlns:p="http://schemas.openxmlformats.org/presentationml/2006/main" xmlns:r="http://schemas.openxmlformats.org/officeDocument/2006/relationships">
+<p:sld xmlns:a="http://schemas.openxmlformats.org/drawingml/2006/main" xmlns:r="http://schemas.openxmlformats.org/officeDocument/2006/relationships" xmlns:p="http://schemas.openxmlformats.org/presentationml/2006/main">
   <p:cSld>
     <p:spTree>
       <p:nvGrpSpPr>
@@ -4174,7 +4908,14 @@
         <p:cNvGrpSpPr/>
         <p:nvPr/>
       </p:nvGrpSpPr>
-      <p:grpSpPr/>
+      <p:grpSpPr>
+        <a:xfrm>
+          <a:off x="0" y="0"/>
+          <a:ext cx="0" cy="0"/>
+          <a:chOff x="0" y="0"/>
+          <a:chExt cx="0" cy="0"/>
+        </a:xfrm>
+      </p:grpSpPr>
       <p:sp>
         <p:nvSpPr>
           <p:cNvPr id="2" name="Title 1"/>
@@ -4187,12 +4928,52 @@
         </p:nvSpPr>
         <p:spPr/>
         <p:txBody>
-          <a:bodyPr/>
-          <a:lstStyle/>
-          <a:p>
-            <a:r>
-              <a:t>🔄 Procesamiento por Capas - Arquitectura Medallón</a:t>
-            </a:r>
+          <a:bodyPr>
+            <a:normAutofit fontScale="90000"/>
+          </a:bodyPr>
+          <a:lstStyle/>
+          <a:p>
+            <a:r>
+              <a:rPr dirty="0"/>
+              <a:t>🔄 </a:t>
+            </a:r>
+            <a:r>
+              <a:rPr dirty="0" err="1"/>
+              <a:t>Procesamiento</a:t>
+            </a:r>
+            <a:r>
+              <a:rPr dirty="0"/>
+              <a:t> </a:t>
+            </a:r>
+            <a:r>
+              <a:rPr dirty="0" err="1"/>
+              <a:t>por</a:t>
+            </a:r>
+            <a:r>
+              <a:rPr dirty="0"/>
+              <a:t> </a:t>
+            </a:r>
+            <a:r>
+              <a:rPr dirty="0" err="1"/>
+              <a:t>Capas</a:t>
+            </a:r>
+            <a:r>
+              <a:rPr dirty="0"/>
+              <a:t> - </a:t>
+            </a:r>
+            <a:r>
+              <a:rPr dirty="0" err="1"/>
+              <a:t>Arquitectura</a:t>
+            </a:r>
+            <a:r>
+              <a:rPr dirty="0"/>
+              <a:t> </a:t>
+            </a:r>
+            <a:r>
+              <a:rPr dirty="0" err="1"/>
+              <a:t>Medallón</a:t>
+            </a:r>
+            <a:endParaRPr dirty="0"/>
           </a:p>
         </p:txBody>
       </p:sp>
@@ -4208,79 +4989,115 @@
         </p:nvSpPr>
         <p:spPr/>
         <p:txBody>
-          <a:bodyPr/>
-          <a:lstStyle/>
-          <a:p>
-            <a:pPr/>
+          <a:bodyPr>
+            <a:normAutofit fontScale="70000" lnSpcReduction="20000"/>
+          </a:bodyPr>
+          <a:lstStyle/>
+          <a:p>
             <a:r>
               <a:t>CAPA BRONCE:</a:t>
             </a:r>
           </a:p>
           <a:p>
-            <a:pPr/>
             <a:r>
               <a:t>  ✅ 852 archivos CSV procesados (ambas estaciones)</a:t>
             </a:r>
           </a:p>
           <a:p>
-            <a:pPr/>
             <a:r>
               <a:t>  ✅ Datos filtrados por CHAPELCO AERO + NEUQUEN AERO</a:t>
             </a:r>
           </a:p>
           <a:p>
-            <a:pPr/>
-          </a:p>
-          <a:p>
-            <a:pPr/>
+            <a:endParaRPr/>
+          </a:p>
+          <a:p>
             <a:r>
               <a:t>CAPA PLATA:</a:t>
             </a:r>
           </a:p>
           <a:p>
-            <a:pPr/>
             <a:r>
               <a:t>  ✅ 19,288 registros horarios limpios y normalizados</a:t>
             </a:r>
           </a:p>
           <a:p>
-            <a:pPr/>
             <a:r>
               <a:t>  ✅ 8 días faltantes identificados y documentados</a:t>
             </a:r>
           </a:p>
           <a:p>
-            <a:pPr/>
             <a:r>
               <a:t>  ✅ Fechas y horas estandarizadas</a:t>
             </a:r>
           </a:p>
           <a:p>
-            <a:pPr/>
-          </a:p>
-          <a:p>
-            <a:pPr/>
+            <a:endParaRPr/>
+          </a:p>
+          <a:p>
             <a:r>
               <a:t>CAPA ORO:</a:t>
             </a:r>
           </a:p>
           <a:p>
-            <a:pPr/>
             <a:r>
               <a:t>  ✅ Variables derivadas: AMP_TERMICA, RANGO_PRESION</a:t>
             </a:r>
           </a:p>
           <a:p>
-            <a:pPr/>
             <a:r>
               <a:t>  ✅ 852 registros diarios finales listos para ML</a:t>
             </a:r>
           </a:p>
           <a:p>
-            <a:pPr/>
             <a:r>
               <a:t>  ✅ Datasets optimizados para ambas estaciones</a:t>
             </a:r>
+          </a:p>
+        </p:txBody>
+      </p:sp>
+      <p:sp>
+        <p:nvSpPr>
+          <p:cNvPr id="5" name="2 Rectángulo">
+            <a:extLst>
+              <a:ext uri="{FF2B5EF4-FFF2-40B4-BE49-F238E27FC236}">
+                <a16:creationId xmlns:a16="http://schemas.microsoft.com/office/drawing/2014/main" id="{3D6A87B7-8095-570F-06BB-C1AC01A27CD2}"/>
+              </a:ext>
+            </a:extLst>
+          </p:cNvPr>
+          <p:cNvSpPr/>
+          <p:nvPr/>
+        </p:nvSpPr>
+        <p:spPr>
+          <a:xfrm>
+            <a:off x="1288263" y="1332486"/>
+            <a:ext cx="10011107" cy="85152"/>
+          </a:xfrm>
+          <a:prstGeom prst="rect">
+            <a:avLst/>
+          </a:prstGeom>
+          <a:ln/>
+        </p:spPr>
+        <p:style>
+          <a:lnRef idx="3">
+            <a:schemeClr val="lt1"/>
+          </a:lnRef>
+          <a:fillRef idx="1">
+            <a:schemeClr val="accent1"/>
+          </a:fillRef>
+          <a:effectRef idx="1">
+            <a:schemeClr val="accent1"/>
+          </a:effectRef>
+          <a:fontRef idx="minor">
+            <a:schemeClr val="lt1"/>
+          </a:fontRef>
+        </p:style>
+        <p:txBody>
+          <a:bodyPr rtlCol="0" anchor="ctr"/>
+          <a:lstStyle/>
+          <a:p>
+            <a:pPr algn="ctr"/>
+            <a:endParaRPr lang="es-VE"/>
           </a:p>
         </p:txBody>
       </p:sp>
@@ -4293,7 +5110,7 @@
 </file>
 
 <file path=ppt/slides/slide7.xml><?xml version="1.0" encoding="utf-8"?>
-<p:sld xmlns:a="http://schemas.openxmlformats.org/drawingml/2006/main" xmlns:p="http://schemas.openxmlformats.org/presentationml/2006/main" xmlns:r="http://schemas.openxmlformats.org/officeDocument/2006/relationships">
+<p:sld xmlns:a="http://schemas.openxmlformats.org/drawingml/2006/main" xmlns:r="http://schemas.openxmlformats.org/officeDocument/2006/relationships" xmlns:p="http://schemas.openxmlformats.org/presentationml/2006/main">
   <p:cSld>
     <p:spTree>
       <p:nvGrpSpPr>
@@ -4301,7 +5118,14 @@
         <p:cNvGrpSpPr/>
         <p:nvPr/>
       </p:nvGrpSpPr>
-      <p:grpSpPr/>
+      <p:grpSpPr>
+        <a:xfrm>
+          <a:off x="0" y="0"/>
+          <a:ext cx="0" cy="0"/>
+          <a:chOff x="0" y="0"/>
+          <a:chExt cx="0" cy="0"/>
+        </a:xfrm>
+      </p:grpSpPr>
       <p:sp>
         <p:nvSpPr>
           <p:cNvPr id="2" name="Title 1"/>
@@ -4314,12 +5138,28 @@
         </p:nvSpPr>
         <p:spPr/>
         <p:txBody>
-          <a:bodyPr/>
-          <a:lstStyle/>
-          <a:p>
-            <a:r>
-              <a:t>🤖 Resultados de Machine Learning - Datos Combinados</a:t>
-            </a:r>
+          <a:bodyPr>
+            <a:normAutofit fontScale="90000"/>
+          </a:bodyPr>
+          <a:lstStyle/>
+          <a:p>
+            <a:r>
+              <a:rPr dirty="0"/>
+              <a:t>🤖 </a:t>
+            </a:r>
+            <a:r>
+              <a:rPr dirty="0" err="1"/>
+              <a:t>Resultados</a:t>
+            </a:r>
+            <a:r>
+              <a:rPr dirty="0"/>
+              <a:t> de Machine Learning - Datos </a:t>
+            </a:r>
+            <a:r>
+              <a:rPr dirty="0" err="1"/>
+              <a:t>Combinados</a:t>
+            </a:r>
+            <a:endParaRPr dirty="0"/>
           </a:p>
         </p:txBody>
       </p:sp>
@@ -4335,75 +5175,234 @@
         </p:nvSpPr>
         <p:spPr/>
         <p:txBody>
-          <a:bodyPr/>
-          <a:lstStyle/>
-          <a:p>
-            <a:r>
-              <a:t>CLASIFICACIÓN DE LLUVIA (entrenado con ambas estaciones):</a:t>
-            </a:r>
-          </a:p>
-          <a:p/>
-          <a:p>
-            <a:r>
+          <a:bodyPr>
+            <a:normAutofit fontScale="55000" lnSpcReduction="20000"/>
+          </a:bodyPr>
+          <a:lstStyle/>
+          <a:p>
+            <a:r>
+              <a:rPr dirty="0"/>
+              <a:t>CLASIFICACIÓN DE LLUVIA (</a:t>
+            </a:r>
+            <a:r>
+              <a:rPr dirty="0" err="1"/>
+              <a:t>entrenado</a:t>
+            </a:r>
+            <a:r>
+              <a:rPr dirty="0"/>
+              <a:t> con ambas </a:t>
+            </a:r>
+            <a:r>
+              <a:rPr dirty="0" err="1"/>
+              <a:t>estaciones</a:t>
+            </a:r>
+            <a:r>
+              <a:rPr dirty="0"/>
+              <a:t>):</a:t>
+            </a:r>
+          </a:p>
+          <a:p>
+            <a:endParaRPr dirty="0"/>
+          </a:p>
+          <a:p>
+            <a:r>
+              <a:rPr dirty="0"/>
               <a:t>┌─────────────────────────┬──────────┬───────────┬────────┬──────────┐</a:t>
             </a:r>
           </a:p>
           <a:p>
             <a:r>
-              <a:t>│ Algoritmo               │ Accuracy │ Precision │ Recall │ F1-Score │</a:t>
-            </a:r>
-          </a:p>
-          <a:p>
-            <a:r>
+              <a:rPr dirty="0"/>
+              <a:t>│ </a:t>
+            </a:r>
+            <a:r>
+              <a:rPr dirty="0" err="1"/>
+              <a:t>Algoritmo</a:t>
+            </a:r>
+            <a:r>
+              <a:rPr dirty="0"/>
+              <a:t>               │ Accuracy │ Precision │ Recall │ F1-Score │</a:t>
+            </a:r>
+          </a:p>
+          <a:p>
+            <a:r>
+              <a:rPr dirty="0"/>
               <a:t>├─────────────────────────┼──────────┼───────────┼────────┼──────────┤</a:t>
             </a:r>
           </a:p>
           <a:p>
             <a:r>
-              <a:t>│ Árbol de Decisión       │   100%   │   100%    │  100%  │   100%   │</a:t>
-            </a:r>
-          </a:p>
-          <a:p>
-            <a:r>
+              <a:rPr dirty="0"/>
+              <a:t>│ Árbol de </a:t>
+            </a:r>
+            <a:r>
+              <a:rPr dirty="0" err="1"/>
+              <a:t>Decisión</a:t>
+            </a:r>
+            <a:r>
+              <a:rPr dirty="0"/>
+              <a:t>       │   100%   │   100%    │  100%  │   100%   │</a:t>
+            </a:r>
+          </a:p>
+          <a:p>
+            <a:r>
+              <a:rPr dirty="0"/>
               <a:t>│ K-Nearest Neighbors     │  99.09%  │  90.56%   │ 86.12% │  88.28%  │</a:t>
             </a:r>
           </a:p>
           <a:p>
             <a:r>
-              <a:t>│ Regresión Logística     │  98.21%  │  82.93%   │ 69.39% │  75.56%  │</a:t>
-            </a:r>
-          </a:p>
-          <a:p>
-            <a:r>
+              <a:rPr dirty="0"/>
+              <a:t>│ </a:t>
+            </a:r>
+            <a:r>
+              <a:rPr dirty="0" err="1"/>
+              <a:t>Regresión</a:t>
+            </a:r>
+            <a:r>
+              <a:rPr dirty="0"/>
+              <a:t> </a:t>
+            </a:r>
+            <a:r>
+              <a:rPr dirty="0" err="1"/>
+              <a:t>Logística</a:t>
+            </a:r>
+            <a:r>
+              <a:rPr dirty="0"/>
+              <a:t>     │  98.21%  │  82.93%   │ 69.39% │  75.56%  │</a:t>
+            </a:r>
+          </a:p>
+          <a:p>
+            <a:r>
+              <a:rPr dirty="0"/>
               <a:t>└─────────────────────────┴──────────┴───────────┴────────┴──────────┘</a:t>
             </a:r>
           </a:p>
-          <a:p/>
-          <a:p>
-            <a:r>
+          <a:p>
+            <a:endParaRPr dirty="0"/>
+          </a:p>
+          <a:p>
+            <a:r>
+              <a:rPr dirty="0"/>
               <a:t>DATOS DE ENTRENAMIENTO:</a:t>
             </a:r>
           </a:p>
           <a:p>
             <a:r>
-              <a:t>• 852 registros diarios (CHAPELCO + NEUQUEN)</a:t>
-            </a:r>
-          </a:p>
-          <a:p>
-            <a:r>
-              <a:t>• 5 variables predictoras: TEMP, HUM, PNM, DD, FF</a:t>
-            </a:r>
-          </a:p>
-          <a:p>
-            <a:r>
-              <a:t>• División 70%-30% (entrenamiento-prueba)</a:t>
-            </a:r>
-          </a:p>
-          <a:p/>
-          <a:p>
-            <a:r>
-              <a:t>CONCLUSIÓN: Predicción perfecta con Árbol de Decisión</a:t>
-            </a:r>
+              <a:rPr dirty="0"/>
+              <a:t>• 852 </a:t>
+            </a:r>
+            <a:r>
+              <a:rPr dirty="0" err="1"/>
+              <a:t>registros</a:t>
+            </a:r>
+            <a:r>
+              <a:rPr dirty="0"/>
+              <a:t> </a:t>
+            </a:r>
+            <a:r>
+              <a:rPr dirty="0" err="1"/>
+              <a:t>diarios</a:t>
+            </a:r>
+            <a:r>
+              <a:rPr dirty="0"/>
+              <a:t> (CHAPELCO + NEUQUEN)</a:t>
+            </a:r>
+          </a:p>
+          <a:p>
+            <a:r>
+              <a:rPr dirty="0"/>
+              <a:t>• 5 variables </a:t>
+            </a:r>
+            <a:r>
+              <a:rPr dirty="0" err="1"/>
+              <a:t>predictoras</a:t>
+            </a:r>
+            <a:r>
+              <a:rPr dirty="0"/>
+              <a:t>: TEMP, HUM, PNM, DD, FF</a:t>
+            </a:r>
+          </a:p>
+          <a:p>
+            <a:r>
+              <a:rPr dirty="0"/>
+              <a:t>• División 70%-30% (</a:t>
+            </a:r>
+            <a:r>
+              <a:rPr dirty="0" err="1"/>
+              <a:t>entrenamiento-prueba</a:t>
+            </a:r>
+            <a:r>
+              <a:rPr dirty="0"/>
+              <a:t>)</a:t>
+            </a:r>
+          </a:p>
+          <a:p>
+            <a:endParaRPr dirty="0"/>
+          </a:p>
+          <a:p>
+            <a:r>
+              <a:rPr dirty="0"/>
+              <a:t>CONCLUSIÓN: </a:t>
+            </a:r>
+            <a:r>
+              <a:rPr dirty="0" err="1"/>
+              <a:t>Predicción</a:t>
+            </a:r>
+            <a:r>
+              <a:rPr dirty="0"/>
+              <a:t> perfecta con Árbol de </a:t>
+            </a:r>
+            <a:r>
+              <a:rPr dirty="0" err="1"/>
+              <a:t>Decisión</a:t>
+            </a:r>
+            <a:endParaRPr dirty="0"/>
+          </a:p>
+        </p:txBody>
+      </p:sp>
+      <p:sp>
+        <p:nvSpPr>
+          <p:cNvPr id="5" name="2 Rectángulo">
+            <a:extLst>
+              <a:ext uri="{FF2B5EF4-FFF2-40B4-BE49-F238E27FC236}">
+                <a16:creationId xmlns:a16="http://schemas.microsoft.com/office/drawing/2014/main" id="{5A7DE8DC-BA09-219E-CA09-EBBAFB21A65D}"/>
+              </a:ext>
+            </a:extLst>
+          </p:cNvPr>
+          <p:cNvSpPr/>
+          <p:nvPr/>
+        </p:nvSpPr>
+        <p:spPr>
+          <a:xfrm>
+            <a:off x="1288263" y="1332486"/>
+            <a:ext cx="10011107" cy="85152"/>
+          </a:xfrm>
+          <a:prstGeom prst="rect">
+            <a:avLst/>
+          </a:prstGeom>
+          <a:ln/>
+        </p:spPr>
+        <p:style>
+          <a:lnRef idx="3">
+            <a:schemeClr val="lt1"/>
+          </a:lnRef>
+          <a:fillRef idx="1">
+            <a:schemeClr val="accent1"/>
+          </a:fillRef>
+          <a:effectRef idx="1">
+            <a:schemeClr val="accent1"/>
+          </a:effectRef>
+          <a:fontRef idx="minor">
+            <a:schemeClr val="lt1"/>
+          </a:fontRef>
+        </p:style>
+        <p:txBody>
+          <a:bodyPr rtlCol="0" anchor="ctr"/>
+          <a:lstStyle/>
+          <a:p>
+            <a:pPr algn="ctr"/>
+            <a:endParaRPr lang="es-VE"/>
           </a:p>
         </p:txBody>
       </p:sp>
@@ -4416,7 +5415,7 @@
 </file>
 
 <file path=ppt/slides/slide8.xml><?xml version="1.0" encoding="utf-8"?>
-<p:sld xmlns:a="http://schemas.openxmlformats.org/drawingml/2006/main" xmlns:p="http://schemas.openxmlformats.org/presentationml/2006/main" xmlns:r="http://schemas.openxmlformats.org/officeDocument/2006/relationships">
+<p:sld xmlns:a="http://schemas.openxmlformats.org/drawingml/2006/main" xmlns:r="http://schemas.openxmlformats.org/officeDocument/2006/relationships" xmlns:p="http://schemas.openxmlformats.org/presentationml/2006/main">
   <p:cSld>
     <p:spTree>
       <p:nvGrpSpPr>
@@ -4424,7 +5423,14 @@
         <p:cNvGrpSpPr/>
         <p:nvPr/>
       </p:nvGrpSpPr>
-      <p:grpSpPr/>
+      <p:grpSpPr>
+        <a:xfrm>
+          <a:off x="0" y="0"/>
+          <a:ext cx="0" cy="0"/>
+          <a:chOff x="0" y="0"/>
+          <a:chExt cx="0" cy="0"/>
+        </a:xfrm>
+      </p:grpSpPr>
       <p:sp>
         <p:nvSpPr>
           <p:cNvPr id="2" name="Title 1"/>
@@ -4437,7 +5443,9 @@
         </p:nvSpPr>
         <p:spPr/>
         <p:txBody>
-          <a:bodyPr/>
+          <a:bodyPr>
+            <a:normAutofit fontScale="90000"/>
+          </a:bodyPr>
           <a:lstStyle/>
           <a:p>
             <a:r>
@@ -4458,14 +5466,18 @@
         </p:nvSpPr>
         <p:spPr/>
         <p:txBody>
-          <a:bodyPr/>
+          <a:bodyPr>
+            <a:normAutofit fontScale="55000" lnSpcReduction="20000"/>
+          </a:bodyPr>
           <a:lstStyle/>
           <a:p>
             <a:r>
               <a:t>DIFERENCIAS CLIMATOLÓGICAS IDENTIFICADAS:</a:t>
             </a:r>
           </a:p>
-          <a:p/>
+          <a:p>
+            <a:endParaRPr/>
+          </a:p>
           <a:p>
             <a:r>
               <a:t>┌─────────────────────┬─────────────────┬─────────────────┐</a:t>
@@ -4526,11 +5538,58 @@
               <a:t>└─────────────────────┴─────────────────┴─────────────────┘</a:t>
             </a:r>
           </a:p>
-          <a:p/>
+          <a:p>
+            <a:endParaRPr/>
+          </a:p>
           <a:p>
             <a:r>
               <a:t>Ambas estaciones aportan perspectivas complementarias del clima neuquino.</a:t>
             </a:r>
+          </a:p>
+        </p:txBody>
+      </p:sp>
+      <p:sp>
+        <p:nvSpPr>
+          <p:cNvPr id="4" name="2 Rectángulo">
+            <a:extLst>
+              <a:ext uri="{FF2B5EF4-FFF2-40B4-BE49-F238E27FC236}">
+                <a16:creationId xmlns:a16="http://schemas.microsoft.com/office/drawing/2014/main" id="{0B828CC0-4E22-9238-D15F-F144F2B939DF}"/>
+              </a:ext>
+            </a:extLst>
+          </p:cNvPr>
+          <p:cNvSpPr/>
+          <p:nvPr/>
+        </p:nvSpPr>
+        <p:spPr>
+          <a:xfrm>
+            <a:off x="1288263" y="1192972"/>
+            <a:ext cx="10011107" cy="85152"/>
+          </a:xfrm>
+          <a:prstGeom prst="rect">
+            <a:avLst/>
+          </a:prstGeom>
+          <a:ln/>
+        </p:spPr>
+        <p:style>
+          <a:lnRef idx="3">
+            <a:schemeClr val="lt1"/>
+          </a:lnRef>
+          <a:fillRef idx="1">
+            <a:schemeClr val="accent1"/>
+          </a:fillRef>
+          <a:effectRef idx="1">
+            <a:schemeClr val="accent1"/>
+          </a:effectRef>
+          <a:fontRef idx="minor">
+            <a:schemeClr val="lt1"/>
+          </a:fontRef>
+        </p:style>
+        <p:txBody>
+          <a:bodyPr rtlCol="0" anchor="ctr"/>
+          <a:lstStyle/>
+          <a:p>
+            <a:pPr algn="ctr"/>
+            <a:endParaRPr lang="es-VE"/>
           </a:p>
         </p:txBody>
       </p:sp>
@@ -4543,7 +5602,7 @@
 </file>
 
 <file path=ppt/slides/slide9.xml><?xml version="1.0" encoding="utf-8"?>
-<p:sld xmlns:a="http://schemas.openxmlformats.org/drawingml/2006/main" xmlns:p="http://schemas.openxmlformats.org/presentationml/2006/main" xmlns:r="http://schemas.openxmlformats.org/officeDocument/2006/relationships">
+<p:sld xmlns:a="http://schemas.openxmlformats.org/drawingml/2006/main" xmlns:r="http://schemas.openxmlformats.org/officeDocument/2006/relationships" xmlns:p="http://schemas.openxmlformats.org/presentationml/2006/main">
   <p:cSld>
     <p:spTree>
       <p:nvGrpSpPr>
@@ -4551,7 +5610,14 @@
         <p:cNvGrpSpPr/>
         <p:nvPr/>
       </p:nvGrpSpPr>
-      <p:grpSpPr/>
+      <p:grpSpPr>
+        <a:xfrm>
+          <a:off x="0" y="0"/>
+          <a:ext cx="0" cy="0"/>
+          <a:chOff x="0" y="0"/>
+          <a:chExt cx="0" cy="0"/>
+        </a:xfrm>
+      </p:grpSpPr>
       <p:sp>
         <p:nvSpPr>
           <p:cNvPr id="2" name="Title 1"/>
@@ -4564,7 +5630,9 @@
         </p:nvSpPr>
         <p:spPr/>
         <p:txBody>
-          <a:bodyPr/>
+          <a:bodyPr>
+            <a:normAutofit fontScale="90000"/>
+          </a:bodyPr>
           <a:lstStyle/>
           <a:p>
             <a:r>
@@ -4585,85 +5653,120 @@
         </p:nvSpPr>
         <p:spPr/>
         <p:txBody>
-          <a:bodyPr/>
-          <a:lstStyle/>
-          <a:p>
-            <a:pPr/>
+          <a:bodyPr>
+            <a:normAutofit fontScale="62500" lnSpcReduction="20000"/>
+          </a:bodyPr>
+          <a:lstStyle/>
+          <a:p>
             <a:r>
               <a:t>ZONA ANDINA (CHAPELCO):</a:t>
             </a:r>
           </a:p>
           <a:p>
-            <a:pPr/>
             <a:r>
               <a:t>  → Inviernos más fríos y húmedos</a:t>
             </a:r>
           </a:p>
           <a:p>
-            <a:pPr/>
             <a:r>
               <a:t>  → Veranos templados con mayor estabilidad</a:t>
             </a:r>
           </a:p>
           <a:p>
-            <a:pPr/>
             <a:r>
               <a:t>  → Influencia de masas de aire del Pacífico</a:t>
             </a:r>
           </a:p>
           <a:p>
-            <a:pPr/>
-          </a:p>
-          <a:p>
-            <a:pPr/>
+            <a:endParaRPr/>
+          </a:p>
+          <a:p>
             <a:r>
               <a:t>ZONA CAPITAL (NEUQUEN):</a:t>
             </a:r>
           </a:p>
           <a:p>
-            <a:pPr/>
             <a:r>
               <a:t>  → Amplitudes térmicas más marcadas</a:t>
             </a:r>
           </a:p>
           <a:p>
-            <a:pPr/>
             <a:r>
               <a:t>  → Condiciones más secas durante todo el año</a:t>
             </a:r>
           </a:p>
           <a:p>
-            <a:pPr/>
             <a:r>
               <a:t>  → Influencia continental más pronunciada</a:t>
             </a:r>
           </a:p>
           <a:p>
-            <a:pPr/>
-          </a:p>
-          <a:p>
-            <a:pPr/>
+            <a:endParaRPr/>
+          </a:p>
+          <a:p>
             <a:r>
               <a:t>ESTACIONALIDAD COMÚN:</a:t>
             </a:r>
           </a:p>
           <a:p>
-            <a:pPr/>
             <a:r>
               <a:t>  → Transiciones estacionales bien definidas</a:t>
             </a:r>
           </a:p>
           <a:p>
-            <a:pPr/>
             <a:r>
               <a:t>  → Patrones de lluvia similares (correlación alta)</a:t>
             </a:r>
           </a:p>
           <a:p>
-            <a:pPr/>
             <a:r>
               <a:t>  → Sincronización en eventos meteorológicos mayores</a:t>
             </a:r>
+          </a:p>
+        </p:txBody>
+      </p:sp>
+      <p:sp>
+        <p:nvSpPr>
+          <p:cNvPr id="4" name="2 Rectángulo">
+            <a:extLst>
+              <a:ext uri="{FF2B5EF4-FFF2-40B4-BE49-F238E27FC236}">
+                <a16:creationId xmlns:a16="http://schemas.microsoft.com/office/drawing/2014/main" id="{E9487964-73F2-57A5-C5C9-CAEE8A27CB9A}"/>
+              </a:ext>
+            </a:extLst>
+          </p:cNvPr>
+          <p:cNvSpPr/>
+          <p:nvPr/>
+        </p:nvSpPr>
+        <p:spPr>
+          <a:xfrm>
+            <a:off x="1288263" y="1192972"/>
+            <a:ext cx="10011107" cy="85152"/>
+          </a:xfrm>
+          <a:prstGeom prst="rect">
+            <a:avLst/>
+          </a:prstGeom>
+          <a:ln/>
+        </p:spPr>
+        <p:style>
+          <a:lnRef idx="3">
+            <a:schemeClr val="lt1"/>
+          </a:lnRef>
+          <a:fillRef idx="1">
+            <a:schemeClr val="accent1"/>
+          </a:fillRef>
+          <a:effectRef idx="1">
+            <a:schemeClr val="accent1"/>
+          </a:effectRef>
+          <a:fontRef idx="minor">
+            <a:schemeClr val="lt1"/>
+          </a:fontRef>
+        </p:style>
+        <p:txBody>
+          <a:bodyPr rtlCol="0" anchor="ctr"/>
+          <a:lstStyle/>
+          <a:p>
+            <a:pPr algn="ctr"/>
+            <a:endParaRPr lang="es-VE"/>
           </a:p>
         </p:txBody>
       </p:sp>
